--- a/en/application_framework/application_framework/setting_guide/ManagingEnvironmentalConfiguration/_images.pptx
+++ b/en/application_framework/application_framework/setting_guide/ManagingEnvironmentalConfiguration/_images.pptx
@@ -105,6 +105,22 @@
       </a:defRPr>
     </a:lvl9pPr>
   </p:defaultTextStyle>
+  <p:extLst>
+    <p:ext uri="{EFAFB233-063F-42B5-8137-9DF3F51BA10A}">
+      <p15:sldGuideLst xmlns:p15="http://schemas.microsoft.com/office/powerpoint/2012/main">
+        <p15:guide id="1" orient="horz" pos="936">
+          <p15:clr>
+            <a:srgbClr val="A4A3A4"/>
+          </p15:clr>
+        </p15:guide>
+        <p15:guide id="2" pos="1440">
+          <p15:clr>
+            <a:srgbClr val="A4A3A4"/>
+          </p15:clr>
+        </p15:guide>
+      </p15:sldGuideLst>
+    </p:ext>
+  </p:extLst>
 </p:presentation>
 </file>
 
@@ -146,10 +162,9 @@
           <a:lstStyle/>
           <a:p>
             <a:r>
-              <a:rPr kumimoji="1" lang="ja-JP" altLang="en-US" smtClean="0"/>
+              <a:rPr kumimoji="1" lang="ja-JP" altLang="en-US"/>
               <a:t>マスタ タイトルの書式設定</a:t>
             </a:r>
-            <a:endParaRPr kumimoji="1" lang="ja-JP" altLang="en-US"/>
           </a:p>
         </p:txBody>
       </p:sp>
@@ -265,10 +280,9 @@
           </a:lstStyle>
           <a:p>
             <a:r>
-              <a:rPr kumimoji="1" lang="ja-JP" altLang="en-US" smtClean="0"/>
+              <a:rPr kumimoji="1" lang="ja-JP" altLang="en-US"/>
               <a:t>マスタ サブタイトルの書式設定</a:t>
             </a:r>
-            <a:endParaRPr kumimoji="1" lang="ja-JP" altLang="en-US"/>
           </a:p>
         </p:txBody>
       </p:sp>
@@ -289,7 +303,7 @@
           <a:p>
             <a:fld id="{E90ED720-0104-4369-84BC-D37694168613}" type="datetimeFigureOut">
               <a:rPr kumimoji="1" lang="ja-JP" altLang="en-US" smtClean="0"/>
-              <a:t>2016/5/18</a:t>
+              <a:t>2020/7/14</a:t>
             </a:fld>
             <a:endParaRPr kumimoji="1" lang="ja-JP" altLang="en-US" dirty="0"/>
           </a:p>
@@ -378,10 +392,9 @@
           <a:lstStyle/>
           <a:p>
             <a:r>
-              <a:rPr kumimoji="1" lang="ja-JP" altLang="en-US" smtClean="0"/>
+              <a:rPr kumimoji="1" lang="ja-JP" altLang="en-US"/>
               <a:t>マスタ タイトルの書式設定</a:t>
             </a:r>
-            <a:endParaRPr kumimoji="1" lang="ja-JP" altLang="en-US"/>
           </a:p>
         </p:txBody>
       </p:sp>
@@ -402,70 +415,69 @@
           <a:p>
             <a:pPr lvl="0"/>
             <a:r>
-              <a:rPr kumimoji="1" lang="ja-JP" altLang="en-US" smtClean="0"/>
+              <a:rPr kumimoji="1" lang="ja-JP" altLang="en-US"/>
               <a:t>マスタ テキストの書式設定</a:t>
             </a:r>
           </a:p>
           <a:p>
             <a:pPr lvl="1"/>
             <a:r>
-              <a:rPr kumimoji="1" lang="ja-JP" altLang="en-US" smtClean="0"/>
+              <a:rPr kumimoji="1" lang="ja-JP" altLang="en-US"/>
               <a:t>第 </a:t>
             </a:r>
             <a:r>
-              <a:rPr kumimoji="1" lang="en-US" altLang="ja-JP" smtClean="0"/>
+              <a:rPr kumimoji="1" lang="en-US" altLang="ja-JP"/>
               <a:t>2 </a:t>
             </a:r>
             <a:r>
-              <a:rPr kumimoji="1" lang="ja-JP" altLang="en-US" smtClean="0"/>
+              <a:rPr kumimoji="1" lang="ja-JP" altLang="en-US"/>
               <a:t>レベル</a:t>
             </a:r>
           </a:p>
           <a:p>
             <a:pPr lvl="2"/>
             <a:r>
-              <a:rPr kumimoji="1" lang="ja-JP" altLang="en-US" smtClean="0"/>
+              <a:rPr kumimoji="1" lang="ja-JP" altLang="en-US"/>
               <a:t>第 </a:t>
             </a:r>
             <a:r>
-              <a:rPr kumimoji="1" lang="en-US" altLang="ja-JP" smtClean="0"/>
+              <a:rPr kumimoji="1" lang="en-US" altLang="ja-JP"/>
               <a:t>3 </a:t>
             </a:r>
             <a:r>
-              <a:rPr kumimoji="1" lang="ja-JP" altLang="en-US" smtClean="0"/>
+              <a:rPr kumimoji="1" lang="ja-JP" altLang="en-US"/>
               <a:t>レベル</a:t>
             </a:r>
           </a:p>
           <a:p>
             <a:pPr lvl="3"/>
             <a:r>
-              <a:rPr kumimoji="1" lang="ja-JP" altLang="en-US" smtClean="0"/>
+              <a:rPr kumimoji="1" lang="ja-JP" altLang="en-US"/>
               <a:t>第 </a:t>
             </a:r>
             <a:r>
-              <a:rPr kumimoji="1" lang="en-US" altLang="ja-JP" smtClean="0"/>
+              <a:rPr kumimoji="1" lang="en-US" altLang="ja-JP"/>
               <a:t>4 </a:t>
             </a:r>
             <a:r>
-              <a:rPr kumimoji="1" lang="ja-JP" altLang="en-US" smtClean="0"/>
+              <a:rPr kumimoji="1" lang="ja-JP" altLang="en-US"/>
               <a:t>レベル</a:t>
             </a:r>
           </a:p>
           <a:p>
             <a:pPr lvl="4"/>
             <a:r>
-              <a:rPr kumimoji="1" lang="ja-JP" altLang="en-US" smtClean="0"/>
+              <a:rPr kumimoji="1" lang="ja-JP" altLang="en-US"/>
               <a:t>第 </a:t>
             </a:r>
             <a:r>
-              <a:rPr kumimoji="1" lang="en-US" altLang="ja-JP" smtClean="0"/>
+              <a:rPr kumimoji="1" lang="en-US" altLang="ja-JP"/>
               <a:t>5 </a:t>
             </a:r>
             <a:r>
-              <a:rPr kumimoji="1" lang="ja-JP" altLang="en-US" smtClean="0"/>
+              <a:rPr kumimoji="1" lang="ja-JP" altLang="en-US"/>
               <a:t>レベル</a:t>
             </a:r>
-            <a:endParaRPr kumimoji="1" lang="ja-JP" altLang="en-US"/>
           </a:p>
         </p:txBody>
       </p:sp>
@@ -486,7 +498,7 @@
           <a:p>
             <a:fld id="{E90ED720-0104-4369-84BC-D37694168613}" type="datetimeFigureOut">
               <a:rPr kumimoji="1" lang="ja-JP" altLang="en-US" smtClean="0"/>
-              <a:t>2016/5/18</a:t>
+              <a:t>2020/7/14</a:t>
             </a:fld>
             <a:endParaRPr kumimoji="1" lang="ja-JP" altLang="en-US" dirty="0"/>
           </a:p>
@@ -580,10 +592,9 @@
           <a:lstStyle/>
           <a:p>
             <a:r>
-              <a:rPr kumimoji="1" lang="ja-JP" altLang="en-US" smtClean="0"/>
+              <a:rPr kumimoji="1" lang="ja-JP" altLang="en-US"/>
               <a:t>マスタ タイトルの書式設定</a:t>
             </a:r>
-            <a:endParaRPr kumimoji="1" lang="ja-JP" altLang="en-US"/>
           </a:p>
         </p:txBody>
       </p:sp>
@@ -609,70 +620,69 @@
           <a:p>
             <a:pPr lvl="0"/>
             <a:r>
-              <a:rPr kumimoji="1" lang="ja-JP" altLang="en-US" smtClean="0"/>
+              <a:rPr kumimoji="1" lang="ja-JP" altLang="en-US"/>
               <a:t>マスタ テキストの書式設定</a:t>
             </a:r>
           </a:p>
           <a:p>
             <a:pPr lvl="1"/>
             <a:r>
-              <a:rPr kumimoji="1" lang="ja-JP" altLang="en-US" smtClean="0"/>
+              <a:rPr kumimoji="1" lang="ja-JP" altLang="en-US"/>
               <a:t>第 </a:t>
             </a:r>
             <a:r>
-              <a:rPr kumimoji="1" lang="en-US" altLang="ja-JP" smtClean="0"/>
+              <a:rPr kumimoji="1" lang="en-US" altLang="ja-JP"/>
               <a:t>2 </a:t>
             </a:r>
             <a:r>
-              <a:rPr kumimoji="1" lang="ja-JP" altLang="en-US" smtClean="0"/>
+              <a:rPr kumimoji="1" lang="ja-JP" altLang="en-US"/>
               <a:t>レベル</a:t>
             </a:r>
           </a:p>
           <a:p>
             <a:pPr lvl="2"/>
             <a:r>
-              <a:rPr kumimoji="1" lang="ja-JP" altLang="en-US" smtClean="0"/>
+              <a:rPr kumimoji="1" lang="ja-JP" altLang="en-US"/>
               <a:t>第 </a:t>
             </a:r>
             <a:r>
-              <a:rPr kumimoji="1" lang="en-US" altLang="ja-JP" smtClean="0"/>
+              <a:rPr kumimoji="1" lang="en-US" altLang="ja-JP"/>
               <a:t>3 </a:t>
             </a:r>
             <a:r>
-              <a:rPr kumimoji="1" lang="ja-JP" altLang="en-US" smtClean="0"/>
+              <a:rPr kumimoji="1" lang="ja-JP" altLang="en-US"/>
               <a:t>レベル</a:t>
             </a:r>
           </a:p>
           <a:p>
             <a:pPr lvl="3"/>
             <a:r>
-              <a:rPr kumimoji="1" lang="ja-JP" altLang="en-US" smtClean="0"/>
+              <a:rPr kumimoji="1" lang="ja-JP" altLang="en-US"/>
               <a:t>第 </a:t>
             </a:r>
             <a:r>
-              <a:rPr kumimoji="1" lang="en-US" altLang="ja-JP" smtClean="0"/>
+              <a:rPr kumimoji="1" lang="en-US" altLang="ja-JP"/>
               <a:t>4 </a:t>
             </a:r>
             <a:r>
-              <a:rPr kumimoji="1" lang="ja-JP" altLang="en-US" smtClean="0"/>
+              <a:rPr kumimoji="1" lang="ja-JP" altLang="en-US"/>
               <a:t>レベル</a:t>
             </a:r>
           </a:p>
           <a:p>
             <a:pPr lvl="4"/>
             <a:r>
-              <a:rPr kumimoji="1" lang="ja-JP" altLang="en-US" smtClean="0"/>
+              <a:rPr kumimoji="1" lang="ja-JP" altLang="en-US"/>
               <a:t>第 </a:t>
             </a:r>
             <a:r>
-              <a:rPr kumimoji="1" lang="en-US" altLang="ja-JP" smtClean="0"/>
+              <a:rPr kumimoji="1" lang="en-US" altLang="ja-JP"/>
               <a:t>5 </a:t>
             </a:r>
             <a:r>
-              <a:rPr kumimoji="1" lang="ja-JP" altLang="en-US" smtClean="0"/>
+              <a:rPr kumimoji="1" lang="ja-JP" altLang="en-US"/>
               <a:t>レベル</a:t>
             </a:r>
-            <a:endParaRPr kumimoji="1" lang="ja-JP" altLang="en-US"/>
           </a:p>
         </p:txBody>
       </p:sp>
@@ -693,7 +703,7 @@
           <a:p>
             <a:fld id="{E90ED720-0104-4369-84BC-D37694168613}" type="datetimeFigureOut">
               <a:rPr kumimoji="1" lang="ja-JP" altLang="en-US" smtClean="0"/>
-              <a:t>2016/5/18</a:t>
+              <a:t>2020/7/14</a:t>
             </a:fld>
             <a:endParaRPr kumimoji="1" lang="ja-JP" altLang="en-US" dirty="0"/>
           </a:p>
@@ -782,10 +792,9 @@
           <a:lstStyle/>
           <a:p>
             <a:r>
-              <a:rPr kumimoji="1" lang="ja-JP" altLang="en-US" smtClean="0"/>
+              <a:rPr kumimoji="1" lang="ja-JP" altLang="en-US"/>
               <a:t>マスタ タイトルの書式設定</a:t>
             </a:r>
-            <a:endParaRPr kumimoji="1" lang="ja-JP" altLang="en-US"/>
           </a:p>
         </p:txBody>
       </p:sp>
@@ -806,70 +815,69 @@
           <a:p>
             <a:pPr lvl="0"/>
             <a:r>
-              <a:rPr kumimoji="1" lang="ja-JP" altLang="en-US" smtClean="0"/>
+              <a:rPr kumimoji="1" lang="ja-JP" altLang="en-US"/>
               <a:t>マスタ テキストの書式設定</a:t>
             </a:r>
           </a:p>
           <a:p>
             <a:pPr lvl="1"/>
             <a:r>
-              <a:rPr kumimoji="1" lang="ja-JP" altLang="en-US" smtClean="0"/>
+              <a:rPr kumimoji="1" lang="ja-JP" altLang="en-US"/>
               <a:t>第 </a:t>
             </a:r>
             <a:r>
-              <a:rPr kumimoji="1" lang="en-US" altLang="ja-JP" smtClean="0"/>
+              <a:rPr kumimoji="1" lang="en-US" altLang="ja-JP"/>
               <a:t>2 </a:t>
             </a:r>
             <a:r>
-              <a:rPr kumimoji="1" lang="ja-JP" altLang="en-US" smtClean="0"/>
+              <a:rPr kumimoji="1" lang="ja-JP" altLang="en-US"/>
               <a:t>レベル</a:t>
             </a:r>
           </a:p>
           <a:p>
             <a:pPr lvl="2"/>
             <a:r>
-              <a:rPr kumimoji="1" lang="ja-JP" altLang="en-US" smtClean="0"/>
+              <a:rPr kumimoji="1" lang="ja-JP" altLang="en-US"/>
               <a:t>第 </a:t>
             </a:r>
             <a:r>
-              <a:rPr kumimoji="1" lang="en-US" altLang="ja-JP" smtClean="0"/>
+              <a:rPr kumimoji="1" lang="en-US" altLang="ja-JP"/>
               <a:t>3 </a:t>
             </a:r>
             <a:r>
-              <a:rPr kumimoji="1" lang="ja-JP" altLang="en-US" smtClean="0"/>
+              <a:rPr kumimoji="1" lang="ja-JP" altLang="en-US"/>
               <a:t>レベル</a:t>
             </a:r>
           </a:p>
           <a:p>
             <a:pPr lvl="3"/>
             <a:r>
-              <a:rPr kumimoji="1" lang="ja-JP" altLang="en-US" smtClean="0"/>
+              <a:rPr kumimoji="1" lang="ja-JP" altLang="en-US"/>
               <a:t>第 </a:t>
             </a:r>
             <a:r>
-              <a:rPr kumimoji="1" lang="en-US" altLang="ja-JP" smtClean="0"/>
+              <a:rPr kumimoji="1" lang="en-US" altLang="ja-JP"/>
               <a:t>4 </a:t>
             </a:r>
             <a:r>
-              <a:rPr kumimoji="1" lang="ja-JP" altLang="en-US" smtClean="0"/>
+              <a:rPr kumimoji="1" lang="ja-JP" altLang="en-US"/>
               <a:t>レベル</a:t>
             </a:r>
           </a:p>
           <a:p>
             <a:pPr lvl="4"/>
             <a:r>
-              <a:rPr kumimoji="1" lang="ja-JP" altLang="en-US" smtClean="0"/>
+              <a:rPr kumimoji="1" lang="ja-JP" altLang="en-US"/>
               <a:t>第 </a:t>
             </a:r>
             <a:r>
-              <a:rPr kumimoji="1" lang="en-US" altLang="ja-JP" smtClean="0"/>
+              <a:rPr kumimoji="1" lang="en-US" altLang="ja-JP"/>
               <a:t>5 </a:t>
             </a:r>
             <a:r>
-              <a:rPr kumimoji="1" lang="ja-JP" altLang="en-US" smtClean="0"/>
+              <a:rPr kumimoji="1" lang="ja-JP" altLang="en-US"/>
               <a:t>レベル</a:t>
             </a:r>
-            <a:endParaRPr kumimoji="1" lang="ja-JP" altLang="en-US"/>
           </a:p>
         </p:txBody>
       </p:sp>
@@ -890,7 +898,7 @@
           <a:p>
             <a:fld id="{E90ED720-0104-4369-84BC-D37694168613}" type="datetimeFigureOut">
               <a:rPr kumimoji="1" lang="ja-JP" altLang="en-US" smtClean="0"/>
-              <a:t>2016/5/18</a:t>
+              <a:t>2020/7/14</a:t>
             </a:fld>
             <a:endParaRPr kumimoji="1" lang="ja-JP" altLang="en-US" dirty="0"/>
           </a:p>
@@ -988,10 +996,9 @@
           </a:lstStyle>
           <a:p>
             <a:r>
-              <a:rPr kumimoji="1" lang="ja-JP" altLang="en-US" smtClean="0"/>
+              <a:rPr kumimoji="1" lang="ja-JP" altLang="en-US"/>
               <a:t>マスタ タイトルの書式設定</a:t>
             </a:r>
-            <a:endParaRPr kumimoji="1" lang="ja-JP" altLang="en-US"/>
           </a:p>
         </p:txBody>
       </p:sp>
@@ -1108,7 +1115,7 @@
           <a:p>
             <a:pPr lvl="0"/>
             <a:r>
-              <a:rPr kumimoji="1" lang="ja-JP" altLang="en-US" smtClean="0"/>
+              <a:rPr kumimoji="1" lang="ja-JP" altLang="en-US"/>
               <a:t>マスタ テキストの書式設定</a:t>
             </a:r>
           </a:p>
@@ -1131,7 +1138,7 @@
           <a:p>
             <a:fld id="{E90ED720-0104-4369-84BC-D37694168613}" type="datetimeFigureOut">
               <a:rPr kumimoji="1" lang="ja-JP" altLang="en-US" smtClean="0"/>
-              <a:t>2016/5/18</a:t>
+              <a:t>2020/7/14</a:t>
             </a:fld>
             <a:endParaRPr kumimoji="1" lang="ja-JP" altLang="en-US" dirty="0"/>
           </a:p>
@@ -1220,10 +1227,9 @@
           <a:lstStyle/>
           <a:p>
             <a:r>
-              <a:rPr kumimoji="1" lang="ja-JP" altLang="en-US" smtClean="0"/>
+              <a:rPr kumimoji="1" lang="ja-JP" altLang="en-US"/>
               <a:t>マスタ タイトルの書式設定</a:t>
             </a:r>
-            <a:endParaRPr kumimoji="1" lang="ja-JP" altLang="en-US"/>
           </a:p>
         </p:txBody>
       </p:sp>
@@ -1277,70 +1283,69 @@
           <a:p>
             <a:pPr lvl="0"/>
             <a:r>
-              <a:rPr kumimoji="1" lang="ja-JP" altLang="en-US" smtClean="0"/>
+              <a:rPr kumimoji="1" lang="ja-JP" altLang="en-US"/>
               <a:t>マスタ テキストの書式設定</a:t>
             </a:r>
           </a:p>
           <a:p>
             <a:pPr lvl="1"/>
             <a:r>
-              <a:rPr kumimoji="1" lang="ja-JP" altLang="en-US" smtClean="0"/>
+              <a:rPr kumimoji="1" lang="ja-JP" altLang="en-US"/>
               <a:t>第 </a:t>
             </a:r>
             <a:r>
-              <a:rPr kumimoji="1" lang="en-US" altLang="ja-JP" smtClean="0"/>
+              <a:rPr kumimoji="1" lang="en-US" altLang="ja-JP"/>
               <a:t>2 </a:t>
             </a:r>
             <a:r>
-              <a:rPr kumimoji="1" lang="ja-JP" altLang="en-US" smtClean="0"/>
+              <a:rPr kumimoji="1" lang="ja-JP" altLang="en-US"/>
               <a:t>レベル</a:t>
             </a:r>
           </a:p>
           <a:p>
             <a:pPr lvl="2"/>
             <a:r>
-              <a:rPr kumimoji="1" lang="ja-JP" altLang="en-US" smtClean="0"/>
+              <a:rPr kumimoji="1" lang="ja-JP" altLang="en-US"/>
               <a:t>第 </a:t>
             </a:r>
             <a:r>
-              <a:rPr kumimoji="1" lang="en-US" altLang="ja-JP" smtClean="0"/>
+              <a:rPr kumimoji="1" lang="en-US" altLang="ja-JP"/>
               <a:t>3 </a:t>
             </a:r>
             <a:r>
-              <a:rPr kumimoji="1" lang="ja-JP" altLang="en-US" smtClean="0"/>
+              <a:rPr kumimoji="1" lang="ja-JP" altLang="en-US"/>
               <a:t>レベル</a:t>
             </a:r>
           </a:p>
           <a:p>
             <a:pPr lvl="3"/>
             <a:r>
-              <a:rPr kumimoji="1" lang="ja-JP" altLang="en-US" smtClean="0"/>
+              <a:rPr kumimoji="1" lang="ja-JP" altLang="en-US"/>
               <a:t>第 </a:t>
             </a:r>
             <a:r>
-              <a:rPr kumimoji="1" lang="en-US" altLang="ja-JP" smtClean="0"/>
+              <a:rPr kumimoji="1" lang="en-US" altLang="ja-JP"/>
               <a:t>4 </a:t>
             </a:r>
             <a:r>
-              <a:rPr kumimoji="1" lang="ja-JP" altLang="en-US" smtClean="0"/>
+              <a:rPr kumimoji="1" lang="ja-JP" altLang="en-US"/>
               <a:t>レベル</a:t>
             </a:r>
           </a:p>
           <a:p>
             <a:pPr lvl="4"/>
             <a:r>
-              <a:rPr kumimoji="1" lang="ja-JP" altLang="en-US" smtClean="0"/>
+              <a:rPr kumimoji="1" lang="ja-JP" altLang="en-US"/>
               <a:t>第 </a:t>
             </a:r>
             <a:r>
-              <a:rPr kumimoji="1" lang="en-US" altLang="ja-JP" smtClean="0"/>
+              <a:rPr kumimoji="1" lang="en-US" altLang="ja-JP"/>
               <a:t>5 </a:t>
             </a:r>
             <a:r>
-              <a:rPr kumimoji="1" lang="ja-JP" altLang="en-US" smtClean="0"/>
+              <a:rPr kumimoji="1" lang="ja-JP" altLang="en-US"/>
               <a:t>レベル</a:t>
             </a:r>
-            <a:endParaRPr kumimoji="1" lang="ja-JP" altLang="en-US"/>
           </a:p>
         </p:txBody>
       </p:sp>
@@ -1394,70 +1399,69 @@
           <a:p>
             <a:pPr lvl="0"/>
             <a:r>
-              <a:rPr kumimoji="1" lang="ja-JP" altLang="en-US" smtClean="0"/>
+              <a:rPr kumimoji="1" lang="ja-JP" altLang="en-US"/>
               <a:t>マスタ テキストの書式設定</a:t>
             </a:r>
           </a:p>
           <a:p>
             <a:pPr lvl="1"/>
             <a:r>
-              <a:rPr kumimoji="1" lang="ja-JP" altLang="en-US" smtClean="0"/>
+              <a:rPr kumimoji="1" lang="ja-JP" altLang="en-US"/>
               <a:t>第 </a:t>
             </a:r>
             <a:r>
-              <a:rPr kumimoji="1" lang="en-US" altLang="ja-JP" smtClean="0"/>
+              <a:rPr kumimoji="1" lang="en-US" altLang="ja-JP"/>
               <a:t>2 </a:t>
             </a:r>
             <a:r>
-              <a:rPr kumimoji="1" lang="ja-JP" altLang="en-US" smtClean="0"/>
+              <a:rPr kumimoji="1" lang="ja-JP" altLang="en-US"/>
               <a:t>レベル</a:t>
             </a:r>
           </a:p>
           <a:p>
             <a:pPr lvl="2"/>
             <a:r>
-              <a:rPr kumimoji="1" lang="ja-JP" altLang="en-US" smtClean="0"/>
+              <a:rPr kumimoji="1" lang="ja-JP" altLang="en-US"/>
               <a:t>第 </a:t>
             </a:r>
             <a:r>
-              <a:rPr kumimoji="1" lang="en-US" altLang="ja-JP" smtClean="0"/>
+              <a:rPr kumimoji="1" lang="en-US" altLang="ja-JP"/>
               <a:t>3 </a:t>
             </a:r>
             <a:r>
-              <a:rPr kumimoji="1" lang="ja-JP" altLang="en-US" smtClean="0"/>
+              <a:rPr kumimoji="1" lang="ja-JP" altLang="en-US"/>
               <a:t>レベル</a:t>
             </a:r>
           </a:p>
           <a:p>
             <a:pPr lvl="3"/>
             <a:r>
-              <a:rPr kumimoji="1" lang="ja-JP" altLang="en-US" smtClean="0"/>
+              <a:rPr kumimoji="1" lang="ja-JP" altLang="en-US"/>
               <a:t>第 </a:t>
             </a:r>
             <a:r>
-              <a:rPr kumimoji="1" lang="en-US" altLang="ja-JP" smtClean="0"/>
+              <a:rPr kumimoji="1" lang="en-US" altLang="ja-JP"/>
               <a:t>4 </a:t>
             </a:r>
             <a:r>
-              <a:rPr kumimoji="1" lang="ja-JP" altLang="en-US" smtClean="0"/>
+              <a:rPr kumimoji="1" lang="ja-JP" altLang="en-US"/>
               <a:t>レベル</a:t>
             </a:r>
           </a:p>
           <a:p>
             <a:pPr lvl="4"/>
             <a:r>
-              <a:rPr kumimoji="1" lang="ja-JP" altLang="en-US" smtClean="0"/>
+              <a:rPr kumimoji="1" lang="ja-JP" altLang="en-US"/>
               <a:t>第 </a:t>
             </a:r>
             <a:r>
-              <a:rPr kumimoji="1" lang="en-US" altLang="ja-JP" smtClean="0"/>
+              <a:rPr kumimoji="1" lang="en-US" altLang="ja-JP"/>
               <a:t>5 </a:t>
             </a:r>
             <a:r>
-              <a:rPr kumimoji="1" lang="ja-JP" altLang="en-US" smtClean="0"/>
+              <a:rPr kumimoji="1" lang="ja-JP" altLang="en-US"/>
               <a:t>レベル</a:t>
             </a:r>
-            <a:endParaRPr kumimoji="1" lang="ja-JP" altLang="en-US"/>
           </a:p>
         </p:txBody>
       </p:sp>
@@ -1478,7 +1482,7 @@
           <a:p>
             <a:fld id="{E90ED720-0104-4369-84BC-D37694168613}" type="datetimeFigureOut">
               <a:rPr kumimoji="1" lang="ja-JP" altLang="en-US" smtClean="0"/>
-              <a:t>2016/5/18</a:t>
+              <a:t>2020/7/14</a:t>
             </a:fld>
             <a:endParaRPr kumimoji="1" lang="ja-JP" altLang="en-US" dirty="0"/>
           </a:p>
@@ -1571,10 +1575,9 @@
           </a:lstStyle>
           <a:p>
             <a:r>
-              <a:rPr kumimoji="1" lang="ja-JP" altLang="en-US" smtClean="0"/>
+              <a:rPr kumimoji="1" lang="ja-JP" altLang="en-US"/>
               <a:t>マスタ タイトルの書式設定</a:t>
             </a:r>
-            <a:endParaRPr kumimoji="1" lang="ja-JP" altLang="en-US"/>
           </a:p>
         </p:txBody>
       </p:sp>
@@ -1637,7 +1640,7 @@
           <a:p>
             <a:pPr lvl="0"/>
             <a:r>
-              <a:rPr kumimoji="1" lang="ja-JP" altLang="en-US" smtClean="0"/>
+              <a:rPr kumimoji="1" lang="ja-JP" altLang="en-US"/>
               <a:t>マスタ テキストの書式設定</a:t>
             </a:r>
           </a:p>
@@ -1693,70 +1696,69 @@
           <a:p>
             <a:pPr lvl="0"/>
             <a:r>
-              <a:rPr kumimoji="1" lang="ja-JP" altLang="en-US" smtClean="0"/>
+              <a:rPr kumimoji="1" lang="ja-JP" altLang="en-US"/>
               <a:t>マスタ テキストの書式設定</a:t>
             </a:r>
           </a:p>
           <a:p>
             <a:pPr lvl="1"/>
             <a:r>
-              <a:rPr kumimoji="1" lang="ja-JP" altLang="en-US" smtClean="0"/>
+              <a:rPr kumimoji="1" lang="ja-JP" altLang="en-US"/>
               <a:t>第 </a:t>
             </a:r>
             <a:r>
-              <a:rPr kumimoji="1" lang="en-US" altLang="ja-JP" smtClean="0"/>
+              <a:rPr kumimoji="1" lang="en-US" altLang="ja-JP"/>
               <a:t>2 </a:t>
             </a:r>
             <a:r>
-              <a:rPr kumimoji="1" lang="ja-JP" altLang="en-US" smtClean="0"/>
+              <a:rPr kumimoji="1" lang="ja-JP" altLang="en-US"/>
               <a:t>レベル</a:t>
             </a:r>
           </a:p>
           <a:p>
             <a:pPr lvl="2"/>
             <a:r>
-              <a:rPr kumimoji="1" lang="ja-JP" altLang="en-US" smtClean="0"/>
+              <a:rPr kumimoji="1" lang="ja-JP" altLang="en-US"/>
               <a:t>第 </a:t>
             </a:r>
             <a:r>
-              <a:rPr kumimoji="1" lang="en-US" altLang="ja-JP" smtClean="0"/>
+              <a:rPr kumimoji="1" lang="en-US" altLang="ja-JP"/>
               <a:t>3 </a:t>
             </a:r>
             <a:r>
-              <a:rPr kumimoji="1" lang="ja-JP" altLang="en-US" smtClean="0"/>
+              <a:rPr kumimoji="1" lang="ja-JP" altLang="en-US"/>
               <a:t>レベル</a:t>
             </a:r>
           </a:p>
           <a:p>
             <a:pPr lvl="3"/>
             <a:r>
-              <a:rPr kumimoji="1" lang="ja-JP" altLang="en-US" smtClean="0"/>
+              <a:rPr kumimoji="1" lang="ja-JP" altLang="en-US"/>
               <a:t>第 </a:t>
             </a:r>
             <a:r>
-              <a:rPr kumimoji="1" lang="en-US" altLang="ja-JP" smtClean="0"/>
+              <a:rPr kumimoji="1" lang="en-US" altLang="ja-JP"/>
               <a:t>4 </a:t>
             </a:r>
             <a:r>
-              <a:rPr kumimoji="1" lang="ja-JP" altLang="en-US" smtClean="0"/>
+              <a:rPr kumimoji="1" lang="ja-JP" altLang="en-US"/>
               <a:t>レベル</a:t>
             </a:r>
           </a:p>
           <a:p>
             <a:pPr lvl="4"/>
             <a:r>
-              <a:rPr kumimoji="1" lang="ja-JP" altLang="en-US" smtClean="0"/>
+              <a:rPr kumimoji="1" lang="ja-JP" altLang="en-US"/>
               <a:t>第 </a:t>
             </a:r>
             <a:r>
-              <a:rPr kumimoji="1" lang="en-US" altLang="ja-JP" smtClean="0"/>
+              <a:rPr kumimoji="1" lang="en-US" altLang="ja-JP"/>
               <a:t>5 </a:t>
             </a:r>
             <a:r>
-              <a:rPr kumimoji="1" lang="ja-JP" altLang="en-US" smtClean="0"/>
+              <a:rPr kumimoji="1" lang="ja-JP" altLang="en-US"/>
               <a:t>レベル</a:t>
             </a:r>
-            <a:endParaRPr kumimoji="1" lang="ja-JP" altLang="en-US"/>
           </a:p>
         </p:txBody>
       </p:sp>
@@ -1819,7 +1821,7 @@
           <a:p>
             <a:pPr lvl="0"/>
             <a:r>
-              <a:rPr kumimoji="1" lang="ja-JP" altLang="en-US" smtClean="0"/>
+              <a:rPr kumimoji="1" lang="ja-JP" altLang="en-US"/>
               <a:t>マスタ テキストの書式設定</a:t>
             </a:r>
           </a:p>
@@ -1875,70 +1877,69 @@
           <a:p>
             <a:pPr lvl="0"/>
             <a:r>
-              <a:rPr kumimoji="1" lang="ja-JP" altLang="en-US" smtClean="0"/>
+              <a:rPr kumimoji="1" lang="ja-JP" altLang="en-US"/>
               <a:t>マスタ テキストの書式設定</a:t>
             </a:r>
           </a:p>
           <a:p>
             <a:pPr lvl="1"/>
             <a:r>
-              <a:rPr kumimoji="1" lang="ja-JP" altLang="en-US" smtClean="0"/>
+              <a:rPr kumimoji="1" lang="ja-JP" altLang="en-US"/>
               <a:t>第 </a:t>
             </a:r>
             <a:r>
-              <a:rPr kumimoji="1" lang="en-US" altLang="ja-JP" smtClean="0"/>
+              <a:rPr kumimoji="1" lang="en-US" altLang="ja-JP"/>
               <a:t>2 </a:t>
             </a:r>
             <a:r>
-              <a:rPr kumimoji="1" lang="ja-JP" altLang="en-US" smtClean="0"/>
+              <a:rPr kumimoji="1" lang="ja-JP" altLang="en-US"/>
               <a:t>レベル</a:t>
             </a:r>
           </a:p>
           <a:p>
             <a:pPr lvl="2"/>
             <a:r>
-              <a:rPr kumimoji="1" lang="ja-JP" altLang="en-US" smtClean="0"/>
+              <a:rPr kumimoji="1" lang="ja-JP" altLang="en-US"/>
               <a:t>第 </a:t>
             </a:r>
             <a:r>
-              <a:rPr kumimoji="1" lang="en-US" altLang="ja-JP" smtClean="0"/>
+              <a:rPr kumimoji="1" lang="en-US" altLang="ja-JP"/>
               <a:t>3 </a:t>
             </a:r>
             <a:r>
-              <a:rPr kumimoji="1" lang="ja-JP" altLang="en-US" smtClean="0"/>
+              <a:rPr kumimoji="1" lang="ja-JP" altLang="en-US"/>
               <a:t>レベル</a:t>
             </a:r>
           </a:p>
           <a:p>
             <a:pPr lvl="3"/>
             <a:r>
-              <a:rPr kumimoji="1" lang="ja-JP" altLang="en-US" smtClean="0"/>
+              <a:rPr kumimoji="1" lang="ja-JP" altLang="en-US"/>
               <a:t>第 </a:t>
             </a:r>
             <a:r>
-              <a:rPr kumimoji="1" lang="en-US" altLang="ja-JP" smtClean="0"/>
+              <a:rPr kumimoji="1" lang="en-US" altLang="ja-JP"/>
               <a:t>4 </a:t>
             </a:r>
             <a:r>
-              <a:rPr kumimoji="1" lang="ja-JP" altLang="en-US" smtClean="0"/>
+              <a:rPr kumimoji="1" lang="ja-JP" altLang="en-US"/>
               <a:t>レベル</a:t>
             </a:r>
           </a:p>
           <a:p>
             <a:pPr lvl="4"/>
             <a:r>
-              <a:rPr kumimoji="1" lang="ja-JP" altLang="en-US" smtClean="0"/>
+              <a:rPr kumimoji="1" lang="ja-JP" altLang="en-US"/>
               <a:t>第 </a:t>
             </a:r>
             <a:r>
-              <a:rPr kumimoji="1" lang="en-US" altLang="ja-JP" smtClean="0"/>
+              <a:rPr kumimoji="1" lang="en-US" altLang="ja-JP"/>
               <a:t>5 </a:t>
             </a:r>
             <a:r>
-              <a:rPr kumimoji="1" lang="ja-JP" altLang="en-US" smtClean="0"/>
+              <a:rPr kumimoji="1" lang="ja-JP" altLang="en-US"/>
               <a:t>レベル</a:t>
             </a:r>
-            <a:endParaRPr kumimoji="1" lang="ja-JP" altLang="en-US"/>
           </a:p>
         </p:txBody>
       </p:sp>
@@ -1959,7 +1960,7 @@
           <a:p>
             <a:fld id="{E90ED720-0104-4369-84BC-D37694168613}" type="datetimeFigureOut">
               <a:rPr kumimoji="1" lang="ja-JP" altLang="en-US" smtClean="0"/>
-              <a:t>2016/5/18</a:t>
+              <a:t>2020/7/14</a:t>
             </a:fld>
             <a:endParaRPr kumimoji="1" lang="ja-JP" altLang="en-US" dirty="0"/>
           </a:p>
@@ -2048,10 +2049,9 @@
           <a:lstStyle/>
           <a:p>
             <a:r>
-              <a:rPr kumimoji="1" lang="ja-JP" altLang="en-US" smtClean="0"/>
+              <a:rPr kumimoji="1" lang="ja-JP" altLang="en-US"/>
               <a:t>マスタ タイトルの書式設定</a:t>
             </a:r>
-            <a:endParaRPr kumimoji="1" lang="ja-JP" altLang="en-US"/>
           </a:p>
         </p:txBody>
       </p:sp>
@@ -2072,7 +2072,7 @@
           <a:p>
             <a:fld id="{E90ED720-0104-4369-84BC-D37694168613}" type="datetimeFigureOut">
               <a:rPr kumimoji="1" lang="ja-JP" altLang="en-US" smtClean="0"/>
-              <a:t>2016/5/18</a:t>
+              <a:t>2020/7/14</a:t>
             </a:fld>
             <a:endParaRPr kumimoji="1" lang="ja-JP" altLang="en-US" dirty="0"/>
           </a:p>
@@ -2162,7 +2162,7 @@
           <a:p>
             <a:fld id="{E90ED720-0104-4369-84BC-D37694168613}" type="datetimeFigureOut">
               <a:rPr kumimoji="1" lang="ja-JP" altLang="en-US" smtClean="0"/>
-              <a:t>2016/5/18</a:t>
+              <a:t>2020/7/14</a:t>
             </a:fld>
             <a:endParaRPr kumimoji="1" lang="ja-JP" altLang="en-US" dirty="0"/>
           </a:p>
@@ -2260,10 +2260,9 @@
           </a:lstStyle>
           <a:p>
             <a:r>
-              <a:rPr kumimoji="1" lang="ja-JP" altLang="en-US" smtClean="0"/>
+              <a:rPr kumimoji="1" lang="ja-JP" altLang="en-US"/>
               <a:t>マスタ タイトルの書式設定</a:t>
             </a:r>
-            <a:endParaRPr kumimoji="1" lang="ja-JP" altLang="en-US"/>
           </a:p>
         </p:txBody>
       </p:sp>
@@ -2317,70 +2316,69 @@
           <a:p>
             <a:pPr lvl="0"/>
             <a:r>
-              <a:rPr kumimoji="1" lang="ja-JP" altLang="en-US" smtClean="0"/>
+              <a:rPr kumimoji="1" lang="ja-JP" altLang="en-US"/>
               <a:t>マスタ テキストの書式設定</a:t>
             </a:r>
           </a:p>
           <a:p>
             <a:pPr lvl="1"/>
             <a:r>
-              <a:rPr kumimoji="1" lang="ja-JP" altLang="en-US" smtClean="0"/>
+              <a:rPr kumimoji="1" lang="ja-JP" altLang="en-US"/>
               <a:t>第 </a:t>
             </a:r>
             <a:r>
-              <a:rPr kumimoji="1" lang="en-US" altLang="ja-JP" smtClean="0"/>
+              <a:rPr kumimoji="1" lang="en-US" altLang="ja-JP"/>
               <a:t>2 </a:t>
             </a:r>
             <a:r>
-              <a:rPr kumimoji="1" lang="ja-JP" altLang="en-US" smtClean="0"/>
+              <a:rPr kumimoji="1" lang="ja-JP" altLang="en-US"/>
               <a:t>レベル</a:t>
             </a:r>
           </a:p>
           <a:p>
             <a:pPr lvl="2"/>
             <a:r>
-              <a:rPr kumimoji="1" lang="ja-JP" altLang="en-US" smtClean="0"/>
+              <a:rPr kumimoji="1" lang="ja-JP" altLang="en-US"/>
               <a:t>第 </a:t>
             </a:r>
             <a:r>
-              <a:rPr kumimoji="1" lang="en-US" altLang="ja-JP" smtClean="0"/>
+              <a:rPr kumimoji="1" lang="en-US" altLang="ja-JP"/>
               <a:t>3 </a:t>
             </a:r>
             <a:r>
-              <a:rPr kumimoji="1" lang="ja-JP" altLang="en-US" smtClean="0"/>
+              <a:rPr kumimoji="1" lang="ja-JP" altLang="en-US"/>
               <a:t>レベル</a:t>
             </a:r>
           </a:p>
           <a:p>
             <a:pPr lvl="3"/>
             <a:r>
-              <a:rPr kumimoji="1" lang="ja-JP" altLang="en-US" smtClean="0"/>
+              <a:rPr kumimoji="1" lang="ja-JP" altLang="en-US"/>
               <a:t>第 </a:t>
             </a:r>
             <a:r>
-              <a:rPr kumimoji="1" lang="en-US" altLang="ja-JP" smtClean="0"/>
+              <a:rPr kumimoji="1" lang="en-US" altLang="ja-JP"/>
               <a:t>4 </a:t>
             </a:r>
             <a:r>
-              <a:rPr kumimoji="1" lang="ja-JP" altLang="en-US" smtClean="0"/>
+              <a:rPr kumimoji="1" lang="ja-JP" altLang="en-US"/>
               <a:t>レベル</a:t>
             </a:r>
           </a:p>
           <a:p>
             <a:pPr lvl="4"/>
             <a:r>
-              <a:rPr kumimoji="1" lang="ja-JP" altLang="en-US" smtClean="0"/>
+              <a:rPr kumimoji="1" lang="ja-JP" altLang="en-US"/>
               <a:t>第 </a:t>
             </a:r>
             <a:r>
-              <a:rPr kumimoji="1" lang="en-US" altLang="ja-JP" smtClean="0"/>
+              <a:rPr kumimoji="1" lang="en-US" altLang="ja-JP"/>
               <a:t>5 </a:t>
             </a:r>
             <a:r>
-              <a:rPr kumimoji="1" lang="ja-JP" altLang="en-US" smtClean="0"/>
+              <a:rPr kumimoji="1" lang="ja-JP" altLang="en-US"/>
               <a:t>レベル</a:t>
             </a:r>
-            <a:endParaRPr kumimoji="1" lang="ja-JP" altLang="en-US"/>
           </a:p>
         </p:txBody>
       </p:sp>
@@ -2443,7 +2441,7 @@
           <a:p>
             <a:pPr lvl="0"/>
             <a:r>
-              <a:rPr kumimoji="1" lang="ja-JP" altLang="en-US" smtClean="0"/>
+              <a:rPr kumimoji="1" lang="ja-JP" altLang="en-US"/>
               <a:t>マスタ テキストの書式設定</a:t>
             </a:r>
           </a:p>
@@ -2466,7 +2464,7 @@
           <a:p>
             <a:fld id="{E90ED720-0104-4369-84BC-D37694168613}" type="datetimeFigureOut">
               <a:rPr kumimoji="1" lang="ja-JP" altLang="en-US" smtClean="0"/>
-              <a:t>2016/5/18</a:t>
+              <a:t>2020/7/14</a:t>
             </a:fld>
             <a:endParaRPr kumimoji="1" lang="ja-JP" altLang="en-US" dirty="0"/>
           </a:p>
@@ -2564,10 +2562,9 @@
           </a:lstStyle>
           <a:p>
             <a:r>
-              <a:rPr kumimoji="1" lang="ja-JP" altLang="en-US" smtClean="0"/>
+              <a:rPr kumimoji="1" lang="ja-JP" altLang="en-US"/>
               <a:t>マスタ タイトルの書式設定</a:t>
             </a:r>
-            <a:endParaRPr kumimoji="1" lang="ja-JP" altLang="en-US"/>
           </a:p>
         </p:txBody>
       </p:sp>
@@ -2691,7 +2688,7 @@
           <a:p>
             <a:pPr lvl="0"/>
             <a:r>
-              <a:rPr kumimoji="1" lang="ja-JP" altLang="en-US" smtClean="0"/>
+              <a:rPr kumimoji="1" lang="ja-JP" altLang="en-US"/>
               <a:t>マスタ テキストの書式設定</a:t>
             </a:r>
           </a:p>
@@ -2714,7 +2711,7 @@
           <a:p>
             <a:fld id="{E90ED720-0104-4369-84BC-D37694168613}" type="datetimeFigureOut">
               <a:rPr kumimoji="1" lang="ja-JP" altLang="en-US" smtClean="0"/>
-              <a:t>2016/5/18</a:t>
+              <a:t>2020/7/14</a:t>
             </a:fld>
             <a:endParaRPr kumimoji="1" lang="ja-JP" altLang="en-US" dirty="0"/>
           </a:p>
@@ -2818,10 +2815,9 @@
           <a:lstStyle/>
           <a:p>
             <a:r>
-              <a:rPr kumimoji="1" lang="ja-JP" altLang="en-US" smtClean="0"/>
+              <a:rPr kumimoji="1" lang="ja-JP" altLang="en-US"/>
               <a:t>マスタ タイトルの書式設定</a:t>
             </a:r>
-            <a:endParaRPr kumimoji="1" lang="ja-JP" altLang="en-US"/>
           </a:p>
         </p:txBody>
       </p:sp>
@@ -2852,70 +2848,69 @@
           <a:p>
             <a:pPr lvl="0"/>
             <a:r>
-              <a:rPr kumimoji="1" lang="ja-JP" altLang="en-US" smtClean="0"/>
+              <a:rPr kumimoji="1" lang="ja-JP" altLang="en-US"/>
               <a:t>マスタ テキストの書式設定</a:t>
             </a:r>
           </a:p>
           <a:p>
             <a:pPr lvl="1"/>
             <a:r>
-              <a:rPr kumimoji="1" lang="ja-JP" altLang="en-US" smtClean="0"/>
+              <a:rPr kumimoji="1" lang="ja-JP" altLang="en-US"/>
               <a:t>第 </a:t>
             </a:r>
             <a:r>
-              <a:rPr kumimoji="1" lang="en-US" altLang="ja-JP" smtClean="0"/>
+              <a:rPr kumimoji="1" lang="en-US" altLang="ja-JP"/>
               <a:t>2 </a:t>
             </a:r>
             <a:r>
-              <a:rPr kumimoji="1" lang="ja-JP" altLang="en-US" smtClean="0"/>
+              <a:rPr kumimoji="1" lang="ja-JP" altLang="en-US"/>
               <a:t>レベル</a:t>
             </a:r>
           </a:p>
           <a:p>
             <a:pPr lvl="2"/>
             <a:r>
-              <a:rPr kumimoji="1" lang="ja-JP" altLang="en-US" smtClean="0"/>
+              <a:rPr kumimoji="1" lang="ja-JP" altLang="en-US"/>
               <a:t>第 </a:t>
             </a:r>
             <a:r>
-              <a:rPr kumimoji="1" lang="en-US" altLang="ja-JP" smtClean="0"/>
+              <a:rPr kumimoji="1" lang="en-US" altLang="ja-JP"/>
               <a:t>3 </a:t>
             </a:r>
             <a:r>
-              <a:rPr kumimoji="1" lang="ja-JP" altLang="en-US" smtClean="0"/>
+              <a:rPr kumimoji="1" lang="ja-JP" altLang="en-US"/>
               <a:t>レベル</a:t>
             </a:r>
           </a:p>
           <a:p>
             <a:pPr lvl="3"/>
             <a:r>
-              <a:rPr kumimoji="1" lang="ja-JP" altLang="en-US" smtClean="0"/>
+              <a:rPr kumimoji="1" lang="ja-JP" altLang="en-US"/>
               <a:t>第 </a:t>
             </a:r>
             <a:r>
-              <a:rPr kumimoji="1" lang="en-US" altLang="ja-JP" smtClean="0"/>
+              <a:rPr kumimoji="1" lang="en-US" altLang="ja-JP"/>
               <a:t>4 </a:t>
             </a:r>
             <a:r>
-              <a:rPr kumimoji="1" lang="ja-JP" altLang="en-US" smtClean="0"/>
+              <a:rPr kumimoji="1" lang="ja-JP" altLang="en-US"/>
               <a:t>レベル</a:t>
             </a:r>
           </a:p>
           <a:p>
             <a:pPr lvl="4"/>
             <a:r>
-              <a:rPr kumimoji="1" lang="ja-JP" altLang="en-US" smtClean="0"/>
+              <a:rPr kumimoji="1" lang="ja-JP" altLang="en-US"/>
               <a:t>第 </a:t>
             </a:r>
             <a:r>
-              <a:rPr kumimoji="1" lang="en-US" altLang="ja-JP" smtClean="0"/>
+              <a:rPr kumimoji="1" lang="en-US" altLang="ja-JP"/>
               <a:t>5 </a:t>
             </a:r>
             <a:r>
-              <a:rPr kumimoji="1" lang="ja-JP" altLang="en-US" smtClean="0"/>
+              <a:rPr kumimoji="1" lang="ja-JP" altLang="en-US"/>
               <a:t>レベル</a:t>
             </a:r>
-            <a:endParaRPr kumimoji="1" lang="ja-JP" altLang="en-US"/>
           </a:p>
         </p:txBody>
       </p:sp>
@@ -2954,7 +2949,7 @@
           <a:p>
             <a:fld id="{E90ED720-0104-4369-84BC-D37694168613}" type="datetimeFigureOut">
               <a:rPr kumimoji="1" lang="ja-JP" altLang="en-US" smtClean="0"/>
-              <a:t>2016/5/18</a:t>
+              <a:t>2020/7/14</a:t>
             </a:fld>
             <a:endParaRPr kumimoji="1" lang="ja-JP" altLang="en-US" dirty="0"/>
           </a:p>
@@ -3434,19 +3429,35 @@
               </a:lvl9pPr>
             </a:lstStyle>
             <a:p>
-              <a:pPr algn="l" rtl="0">
+              <a:pPr algn="l">
                 <a:defRPr sz="1000"/>
               </a:pPr>
               <a:r>
-                <a:rPr lang="ja-JP" altLang="en-US" sz="500" dirty="0">
+                <a:rPr lang="en-US" altLang="ja-JP" sz="500" dirty="0">
                   <a:solidFill>
                     <a:srgbClr val="000000"/>
                   </a:solidFill>
-                  <a:latin typeface="メイリオ" panose="020B0604030504040204" pitchFamily="50" charset="-128"/>
+                  <a:latin typeface="Times New Roman" panose="02020603050405020304" pitchFamily="18" charset="0"/>
                   <a:ea typeface="メイリオ" panose="020B0604030504040204" pitchFamily="50" charset="-128"/>
-                  <a:cs typeface="メイリオ" panose="020B0604030504040204" pitchFamily="50" charset="-128"/>
+                  <a:cs typeface="Times New Roman" panose="02020603050405020304" pitchFamily="18" charset="0"/>
                 </a:rPr>
-                <a:t>開発環境</a:t>
+                <a:t>Development</a:t>
+              </a:r>
+            </a:p>
+            <a:p>
+              <a:pPr algn="l">
+                <a:defRPr sz="1000"/>
+              </a:pPr>
+              <a:r>
+                <a:rPr lang="en-US" altLang="ja-JP" sz="500" dirty="0">
+                  <a:solidFill>
+                    <a:srgbClr val="000000"/>
+                  </a:solidFill>
+                  <a:latin typeface="Times New Roman" panose="02020603050405020304" pitchFamily="18" charset="0"/>
+                  <a:ea typeface="メイリオ" panose="020B0604030504040204" pitchFamily="50" charset="-128"/>
+                  <a:cs typeface="Times New Roman" panose="02020603050405020304" pitchFamily="18" charset="0"/>
+                </a:rPr>
+                <a:t>environment</a:t>
               </a:r>
             </a:p>
           </p:txBody>
@@ -3547,19 +3558,35 @@
               </a:lvl9pPr>
             </a:lstStyle>
             <a:p>
-              <a:pPr algn="l" rtl="0">
+              <a:pPr algn="l">
                 <a:defRPr sz="1000"/>
               </a:pPr>
               <a:r>
-                <a:rPr lang="ja-JP" altLang="en-US" sz="500" dirty="0">
+                <a:rPr lang="en-US" altLang="ja-JP" sz="500" dirty="0">
                   <a:solidFill>
                     <a:srgbClr val="000000"/>
                   </a:solidFill>
-                  <a:latin typeface="メイリオ" panose="020B0604030504040204" pitchFamily="50" charset="-128"/>
+                  <a:latin typeface="Times New Roman" panose="02020603050405020304" pitchFamily="18" charset="0"/>
                   <a:ea typeface="メイリオ" panose="020B0604030504040204" pitchFamily="50" charset="-128"/>
-                  <a:cs typeface="メイリオ" panose="020B0604030504040204" pitchFamily="50" charset="-128"/>
+                  <a:cs typeface="Times New Roman" panose="02020603050405020304" pitchFamily="18" charset="0"/>
                 </a:rPr>
-                <a:t>試験環境</a:t>
+                <a:t>Test</a:t>
+              </a:r>
+            </a:p>
+            <a:p>
+              <a:pPr algn="l">
+                <a:defRPr sz="1000"/>
+              </a:pPr>
+              <a:r>
+                <a:rPr lang="en-US" altLang="ja-JP" sz="500" dirty="0">
+                  <a:solidFill>
+                    <a:srgbClr val="000000"/>
+                  </a:solidFill>
+                  <a:latin typeface="Times New Roman" panose="02020603050405020304" pitchFamily="18" charset="0"/>
+                  <a:ea typeface="メイリオ" panose="020B0604030504040204" pitchFamily="50" charset="-128"/>
+                  <a:cs typeface="Times New Roman" panose="02020603050405020304" pitchFamily="18" charset="0"/>
+                </a:rPr>
+                <a:t>environment</a:t>
               </a:r>
             </a:p>
           </p:txBody>
@@ -3660,19 +3687,35 @@
               </a:lvl9pPr>
             </a:lstStyle>
             <a:p>
-              <a:pPr algn="l" rtl="0">
+              <a:pPr algn="l">
                 <a:defRPr sz="1000"/>
               </a:pPr>
               <a:r>
-                <a:rPr lang="ja-JP" altLang="en-US" sz="500" dirty="0">
+                <a:rPr lang="en-US" altLang="ja-JP" sz="500" dirty="0">
                   <a:solidFill>
                     <a:srgbClr val="000000"/>
                   </a:solidFill>
-                  <a:latin typeface="メイリオ" panose="020B0604030504040204" pitchFamily="50" charset="-128"/>
+                  <a:latin typeface="Times New Roman" panose="02020603050405020304" pitchFamily="18" charset="0"/>
                   <a:ea typeface="メイリオ" panose="020B0604030504040204" pitchFamily="50" charset="-128"/>
-                  <a:cs typeface="メイリオ" panose="020B0604030504040204" pitchFamily="50" charset="-128"/>
+                  <a:cs typeface="Times New Roman" panose="02020603050405020304" pitchFamily="18" charset="0"/>
                 </a:rPr>
-                <a:t>本番環境</a:t>
+                <a:t>Production</a:t>
+              </a:r>
+            </a:p>
+            <a:p>
+              <a:pPr algn="l">
+                <a:defRPr sz="1000"/>
+              </a:pPr>
+              <a:r>
+                <a:rPr lang="en-US" altLang="ja-JP" sz="500" dirty="0">
+                  <a:solidFill>
+                    <a:srgbClr val="000000"/>
+                  </a:solidFill>
+                  <a:latin typeface="Times New Roman" panose="02020603050405020304" pitchFamily="18" charset="0"/>
+                  <a:ea typeface="メイリオ" panose="020B0604030504040204" pitchFamily="50" charset="-128"/>
+                  <a:cs typeface="Times New Roman" panose="02020603050405020304" pitchFamily="18" charset="0"/>
+                </a:rPr>
+                <a:t>environment</a:t>
               </a:r>
             </a:p>
           </p:txBody>
@@ -4181,19 +4224,19 @@
               </a:lvl9pPr>
             </a:lstStyle>
             <a:p>
-              <a:pPr algn="l" rtl="0">
+              <a:pPr algn="l">
                 <a:defRPr sz="1000"/>
               </a:pPr>
               <a:r>
-                <a:rPr lang="ja-JP" altLang="en-US" sz="500" dirty="0">
+                <a:rPr lang="en-US" altLang="ja-JP" sz="500" dirty="0">
                   <a:solidFill>
                     <a:srgbClr val="000000"/>
                   </a:solidFill>
-                  <a:latin typeface="メイリオ" panose="020B0604030504040204" pitchFamily="50" charset="-128"/>
+                  <a:latin typeface="Times New Roman" panose="02020603050405020304" pitchFamily="18" charset="0"/>
                   <a:ea typeface="メイリオ" panose="020B0604030504040204" pitchFamily="50" charset="-128"/>
-                  <a:cs typeface="メイリオ" panose="020B0604030504040204" pitchFamily="50" charset="-128"/>
+                  <a:cs typeface="Times New Roman" panose="02020603050405020304" pitchFamily="18" charset="0"/>
                 </a:rPr>
-                <a:t>バッチ</a:t>
+                <a:t>Batch</a:t>
               </a:r>
             </a:p>
           </p:txBody>
@@ -4313,16 +4356,20 @@
                 <a:defRPr sz="1000"/>
               </a:pPr>
               <a:r>
-                <a:rPr lang="ja-JP" altLang="en-US" sz="500" dirty="0">
+                <a:rPr lang="en-US" altLang="ja-JP" sz="500" dirty="0">
                   <a:solidFill>
                     <a:srgbClr val="000000"/>
                   </a:solidFill>
-                  <a:latin typeface="メイリオ" panose="020B0604030504040204" pitchFamily="50" charset="-128"/>
+                  <a:latin typeface="Times New Roman" panose="02020603050405020304" pitchFamily="18" charset="0"/>
                   <a:ea typeface="メイリオ" panose="020B0604030504040204" pitchFamily="50" charset="-128"/>
-                  <a:cs typeface="メイリオ" panose="020B0604030504040204" pitchFamily="50" charset="-128"/>
+                  <a:cs typeface="Times New Roman" panose="02020603050405020304" pitchFamily="18" charset="0"/>
                 </a:rPr>
-                <a:t>【処理方式の切り口】</a:t>
+                <a:t>[Approach of processing method]</a:t>
               </a:r>
+              <a:endParaRPr lang="en-US" altLang="ja-JP" sz="500" dirty="0">
+                <a:latin typeface="Times New Roman" panose="02020603050405020304" pitchFamily="18" charset="0"/>
+                <a:cs typeface="Times New Roman" panose="02020603050405020304" pitchFamily="18" charset="0"/>
+              </a:endParaRPr>
             </a:p>
             <a:p>
               <a:pPr>
@@ -4332,16 +4379,20 @@
                 <a:defRPr sz="1000"/>
               </a:pPr>
               <a:r>
-                <a:rPr lang="ja-JP" altLang="en-US" sz="500" dirty="0">
-                  <a:solidFill>
-                    <a:srgbClr val="000000"/>
-                  </a:solidFill>
-                  <a:latin typeface="メイリオ" panose="020B0604030504040204" pitchFamily="50" charset="-128"/>
-                  <a:ea typeface="メイリオ" panose="020B0604030504040204" pitchFamily="50" charset="-128"/>
-                  <a:cs typeface="メイリオ" panose="020B0604030504040204" pitchFamily="50" charset="-128"/>
+                <a:rPr lang="en-US" altLang="ja-JP" sz="500" dirty="0">
+                  <a:latin typeface="Times New Roman" panose="02020603050405020304" pitchFamily="18" charset="0"/>
+                  <a:cs typeface="Times New Roman" panose="02020603050405020304" pitchFamily="18" charset="0"/>
                 </a:rPr>
-                <a:t>ルートのコンポーネント定義自体が異なる</a:t>
+                <a:t>The root component definition is different.</a:t>
               </a:r>
+              <a:endParaRPr lang="ja-JP" altLang="en-US" sz="500" dirty="0">
+                <a:solidFill>
+                  <a:srgbClr val="000000"/>
+                </a:solidFill>
+                <a:latin typeface="メイリオ" panose="020B0604030504040204" pitchFamily="50" charset="-128"/>
+                <a:ea typeface="メイリオ" panose="020B0604030504040204" pitchFamily="50" charset="-128"/>
+                <a:cs typeface="メイリオ" panose="020B0604030504040204" pitchFamily="50" charset="-128"/>
+              </a:endParaRPr>
             </a:p>
           </p:txBody>
         </p:sp>
@@ -4527,19 +4578,19 @@
               </a:lvl9pPr>
             </a:lstStyle>
             <a:p>
-              <a:pPr algn="l" rtl="0">
+              <a:pPr algn="l">
                 <a:defRPr sz="1000"/>
               </a:pPr>
               <a:r>
-                <a:rPr lang="ja-JP" altLang="en-US" sz="500" dirty="0">
+                <a:rPr lang="en-US" altLang="ja-JP" sz="500" dirty="0">
                   <a:solidFill>
                     <a:srgbClr val="000000"/>
                   </a:solidFill>
-                  <a:latin typeface="メイリオ" panose="020B0604030504040204" pitchFamily="50" charset="-128"/>
+                  <a:latin typeface="Times New Roman" panose="02020603050405020304" pitchFamily="18" charset="0"/>
                   <a:ea typeface="メイリオ" panose="020B0604030504040204" pitchFamily="50" charset="-128"/>
-                  <a:cs typeface="メイリオ" panose="020B0604030504040204" pitchFamily="50" charset="-128"/>
+                  <a:cs typeface="Times New Roman" panose="02020603050405020304" pitchFamily="18" charset="0"/>
                 </a:rPr>
-                <a:t>【環境の切り口】</a:t>
+                <a:t>[Approach of environment]</a:t>
               </a:r>
             </a:p>
             <a:p>
@@ -4550,42 +4601,11 @@
                 <a:defRPr sz="1000"/>
               </a:pPr>
               <a:r>
-                <a:rPr lang="ja-JP" altLang="en-US" sz="500" dirty="0">
-                  <a:solidFill>
-                    <a:srgbClr val="000000"/>
-                  </a:solidFill>
-                  <a:latin typeface="メイリオ" panose="020B0604030504040204" pitchFamily="50" charset="-128"/>
-                  <a:ea typeface="メイリオ" panose="020B0604030504040204" pitchFamily="50" charset="-128"/>
-                  <a:cs typeface="メイリオ" panose="020B0604030504040204" pitchFamily="50" charset="-128"/>
+                <a:rPr lang="en-US" altLang="ja-JP" sz="500" dirty="0">
+                  <a:latin typeface="Times New Roman" panose="02020603050405020304" pitchFamily="18" charset="0"/>
+                  <a:cs typeface="Times New Roman" panose="02020603050405020304" pitchFamily="18" charset="0"/>
                 </a:rPr>
-                <a:t>コンポーネントの構成自体が</a:t>
-              </a:r>
-              <a:endParaRPr lang="en-US" altLang="ja-JP" sz="500" dirty="0">
-                <a:solidFill>
-                  <a:srgbClr val="000000"/>
-                </a:solidFill>
-                <a:latin typeface="メイリオ" panose="020B0604030504040204" pitchFamily="50" charset="-128"/>
-                <a:ea typeface="メイリオ" panose="020B0604030504040204" pitchFamily="50" charset="-128"/>
-                <a:cs typeface="メイリオ" panose="020B0604030504040204" pitchFamily="50" charset="-128"/>
-              </a:endParaRPr>
-            </a:p>
-            <a:p>
-              <a:pPr>
-                <a:lnSpc>
-                  <a:spcPts val="613"/>
-                </a:lnSpc>
-                <a:defRPr sz="1000"/>
-              </a:pPr>
-              <a:r>
-                <a:rPr lang="ja-JP" altLang="en-US" sz="500" dirty="0">
-                  <a:solidFill>
-                    <a:srgbClr val="000000"/>
-                  </a:solidFill>
-                  <a:latin typeface="メイリオ" panose="020B0604030504040204" pitchFamily="50" charset="-128"/>
-                  <a:ea typeface="メイリオ" panose="020B0604030504040204" pitchFamily="50" charset="-128"/>
-                  <a:cs typeface="メイリオ" panose="020B0604030504040204" pitchFamily="50" charset="-128"/>
-                </a:rPr>
-                <a:t>変わる可能性がある。</a:t>
+                <a:t>The configuration of the component may change</a:t>
               </a:r>
               <a:endParaRPr lang="en-US" altLang="ja-JP" sz="500" dirty="0">
                 <a:solidFill>
@@ -4966,19 +4986,19 @@
               </a:lvl9pPr>
             </a:lstStyle>
             <a:p>
-              <a:pPr algn="l" rtl="0">
+              <a:pPr algn="l">
                 <a:defRPr sz="1000"/>
               </a:pPr>
               <a:r>
-                <a:rPr lang="ja-JP" altLang="en-US" sz="500" dirty="0">
+                <a:rPr lang="en-US" altLang="ja-JP" sz="500" dirty="0">
                   <a:solidFill>
                     <a:srgbClr val="000000"/>
                   </a:solidFill>
-                  <a:latin typeface="メイリオ" panose="020B0604030504040204" pitchFamily="50" charset="-128"/>
+                  <a:latin typeface="Times New Roman" panose="02020603050405020304" pitchFamily="18" charset="0"/>
                   <a:ea typeface="メイリオ" panose="020B0604030504040204" pitchFamily="50" charset="-128"/>
-                  <a:cs typeface="メイリオ" panose="020B0604030504040204" pitchFamily="50" charset="-128"/>
+                  <a:cs typeface="Times New Roman" panose="02020603050405020304" pitchFamily="18" charset="0"/>
                 </a:rPr>
-                <a:t>オンライン</a:t>
+                <a:t>Online</a:t>
               </a:r>
             </a:p>
           </p:txBody>
@@ -5077,19 +5097,19 @@
               </a:lvl9pPr>
             </a:lstStyle>
             <a:p>
-              <a:pPr algn="l" rtl="0">
+              <a:pPr algn="l">
                 <a:defRPr sz="1000"/>
               </a:pPr>
               <a:r>
-                <a:rPr lang="ja-JP" altLang="en-US" sz="500" dirty="0">
+                <a:rPr lang="en-US" altLang="ja-JP" sz="500" dirty="0">
                   <a:solidFill>
                     <a:srgbClr val="000000"/>
                   </a:solidFill>
-                  <a:latin typeface="メイリオ" panose="020B0604030504040204" pitchFamily="50" charset="-128"/>
+                  <a:latin typeface="Times New Roman" panose="02020603050405020304" pitchFamily="18" charset="0"/>
                   <a:ea typeface="メイリオ" panose="020B0604030504040204" pitchFamily="50" charset="-128"/>
-                  <a:cs typeface="メイリオ" panose="020B0604030504040204" pitchFamily="50" charset="-128"/>
+                  <a:cs typeface="Times New Roman" panose="02020603050405020304" pitchFamily="18" charset="0"/>
                 </a:rPr>
-                <a:t>メッセージング</a:t>
+                <a:t>Messaging</a:t>
               </a:r>
             </a:p>
           </p:txBody>
@@ -5512,31 +5532,31 @@
                 <a:defRPr sz="1000"/>
               </a:pPr>
               <a:r>
-                <a:rPr lang="en-US" altLang="ja-JP" sz="500" dirty="0" err="1" smtClean="0">
+                <a:rPr lang="en-US" altLang="ja-JP" sz="500" dirty="0" err="1">
                   <a:solidFill>
                     <a:srgbClr val="000000"/>
                   </a:solidFill>
-                  <a:latin typeface="メイリオ" panose="020B0604030504040204" pitchFamily="50" charset="-128"/>
+                  <a:latin typeface="Times New Roman" panose="02020603050405020304" pitchFamily="18" charset="0"/>
                   <a:ea typeface="メイリオ" panose="020B0604030504040204" pitchFamily="50" charset="-128"/>
-                  <a:cs typeface="メイリオ" panose="020B0604030504040204" pitchFamily="50" charset="-128"/>
+                  <a:cs typeface="Times New Roman" panose="02020603050405020304" pitchFamily="18" charset="0"/>
                 </a:rPr>
                 <a:t>src</a:t>
               </a:r>
               <a:r>
-                <a:rPr lang="en-US" altLang="ja-JP" sz="500" dirty="0" smtClean="0">
+                <a:rPr lang="en-US" altLang="ja-JP" sz="500" dirty="0">
                   <a:solidFill>
                     <a:srgbClr val="000000"/>
                   </a:solidFill>
-                  <a:latin typeface="メイリオ" panose="020B0604030504040204" pitchFamily="50" charset="-128"/>
+                  <a:latin typeface="Times New Roman" panose="02020603050405020304" pitchFamily="18" charset="0"/>
                   <a:ea typeface="メイリオ" panose="020B0604030504040204" pitchFamily="50" charset="-128"/>
-                  <a:cs typeface="メイリオ" panose="020B0604030504040204" pitchFamily="50" charset="-128"/>
+                  <a:cs typeface="Times New Roman" panose="02020603050405020304" pitchFamily="18" charset="0"/>
                 </a:rPr>
                 <a:t>/main/resources/</a:t>
               </a:r>
               <a:endParaRPr lang="ja-JP" altLang="en-US" sz="500" dirty="0">
-                <a:latin typeface="メイリオ" panose="020B0604030504040204" pitchFamily="50" charset="-128"/>
+                <a:latin typeface="Times New Roman" panose="02020603050405020304" pitchFamily="18" charset="0"/>
                 <a:ea typeface="メイリオ" panose="020B0604030504040204" pitchFamily="50" charset="-128"/>
-                <a:cs typeface="メイリオ" panose="020B0604030504040204" pitchFamily="50" charset="-128"/>
+                <a:cs typeface="Times New Roman" panose="02020603050405020304" pitchFamily="18" charset="0"/>
               </a:endParaRPr>
             </a:p>
           </p:txBody>
@@ -5681,68 +5701,26 @@
                 <a:defRPr sz="1000"/>
               </a:pPr>
               <a:r>
-                <a:rPr lang="ja-JP" altLang="en-US" sz="500" dirty="0">
-                  <a:latin typeface="メイリオ" panose="020B0604030504040204" pitchFamily="50" charset="-128"/>
+                <a:rPr lang="en-US" altLang="ja-JP" sz="500" dirty="0">
+                  <a:latin typeface="Times New Roman" panose="02020603050405020304" pitchFamily="18" charset="0"/>
                   <a:ea typeface="メイリオ" panose="020B0604030504040204" pitchFamily="50" charset="-128"/>
-                  <a:cs typeface="メイリオ" panose="020B0604030504040204" pitchFamily="50" charset="-128"/>
+                  <a:cs typeface="Times New Roman" panose="02020603050405020304" pitchFamily="18" charset="0"/>
                 </a:rPr>
-                <a:t>コンポーネント定義</a:t>
+                <a:t>Component definition file</a:t>
               </a:r>
-              <a:r>
-                <a:rPr lang="ja-JP" altLang="en-US" sz="500" dirty="0" smtClean="0">
-                  <a:latin typeface="メイリオ" panose="020B0604030504040204" pitchFamily="50" charset="-128"/>
-                  <a:ea typeface="メイリオ" panose="020B0604030504040204" pitchFamily="50" charset="-128"/>
-                  <a:cs typeface="メイリオ" panose="020B0604030504040204" pitchFamily="50" charset="-128"/>
-                </a:rPr>
-                <a:t>ファイル</a:t>
-              </a:r>
-              <a:endParaRPr lang="en-US" altLang="ja-JP" sz="500" dirty="0" smtClean="0">
-                <a:latin typeface="メイリオ" panose="020B0604030504040204" pitchFamily="50" charset="-128"/>
-                <a:ea typeface="メイリオ" panose="020B0604030504040204" pitchFamily="50" charset="-128"/>
-                <a:cs typeface="メイリオ" panose="020B0604030504040204" pitchFamily="50" charset="-128"/>
-              </a:endParaRPr>
             </a:p>
             <a:p>
               <a:pPr>
                 <a:defRPr sz="1000"/>
               </a:pPr>
               <a:r>
-                <a:rPr lang="en-US" altLang="ja-JP" sz="500" dirty="0" smtClean="0">
-                  <a:latin typeface="メイリオ" panose="020B0604030504040204" pitchFamily="50" charset="-128"/>
+                <a:rPr lang="en-US" altLang="ja-JP" sz="500" dirty="0">
+                  <a:latin typeface="Times New Roman" panose="02020603050405020304" pitchFamily="18" charset="0"/>
                   <a:ea typeface="メイリオ" panose="020B0604030504040204" pitchFamily="50" charset="-128"/>
-                  <a:cs typeface="メイリオ" panose="020B0604030504040204" pitchFamily="50" charset="-128"/>
+                  <a:cs typeface="Times New Roman" panose="02020603050405020304" pitchFamily="18" charset="0"/>
                 </a:rPr>
-                <a:t>(</a:t>
+                <a:t>(xml file)</a:t>
               </a:r>
-              <a:r>
-                <a:rPr lang="en-US" altLang="ja-JP" sz="500" dirty="0">
-                  <a:latin typeface="メイリオ" panose="020B0604030504040204" pitchFamily="50" charset="-128"/>
-                  <a:ea typeface="メイリオ" panose="020B0604030504040204" pitchFamily="50" charset="-128"/>
-                  <a:cs typeface="メイリオ" panose="020B0604030504040204" pitchFamily="50" charset="-128"/>
-                </a:rPr>
-                <a:t>xml</a:t>
-              </a:r>
-              <a:r>
-                <a:rPr lang="ja-JP" altLang="en-US" sz="500" dirty="0">
-                  <a:latin typeface="メイリオ" panose="020B0604030504040204" pitchFamily="50" charset="-128"/>
-                  <a:ea typeface="メイリオ" panose="020B0604030504040204" pitchFamily="50" charset="-128"/>
-                  <a:cs typeface="メイリオ" panose="020B0604030504040204" pitchFamily="50" charset="-128"/>
-                </a:rPr>
-                <a:t>ファイル</a:t>
-              </a:r>
-              <a:r>
-                <a:rPr lang="en-US" altLang="ja-JP" sz="500" dirty="0">
-                  <a:latin typeface="メイリオ" panose="020B0604030504040204" pitchFamily="50" charset="-128"/>
-                  <a:ea typeface="メイリオ" panose="020B0604030504040204" pitchFamily="50" charset="-128"/>
-                  <a:cs typeface="メイリオ" panose="020B0604030504040204" pitchFamily="50" charset="-128"/>
-                </a:rPr>
-                <a:t>)</a:t>
-              </a:r>
-              <a:endParaRPr lang="ja-JP" altLang="en-US" sz="500" dirty="0">
-                <a:latin typeface="メイリオ" panose="020B0604030504040204" pitchFamily="50" charset="-128"/>
-                <a:ea typeface="メイリオ" panose="020B0604030504040204" pitchFamily="50" charset="-128"/>
-                <a:cs typeface="メイリオ" panose="020B0604030504040204" pitchFamily="50" charset="-128"/>
-              </a:endParaRPr>
             </a:p>
           </p:txBody>
         </p:sp>
@@ -5853,42 +5831,31 @@
                 <a:defRPr sz="1000"/>
               </a:pPr>
               <a:r>
-                <a:rPr lang="en-US" altLang="ja-JP" sz="500" dirty="0" err="1" smtClean="0">
+                <a:rPr lang="en-US" altLang="ja-JP" sz="500" dirty="0" err="1">
                   <a:solidFill>
                     <a:srgbClr val="000000"/>
                   </a:solidFill>
-                  <a:latin typeface="メイリオ" panose="020B0604030504040204" pitchFamily="50" charset="-128"/>
+                  <a:latin typeface="Times New Roman" panose="02020603050405020304" pitchFamily="18" charset="0"/>
                   <a:ea typeface="メイリオ" panose="020B0604030504040204" pitchFamily="50" charset="-128"/>
-                  <a:cs typeface="メイリオ" panose="020B0604030504040204" pitchFamily="50" charset="-128"/>
+                  <a:cs typeface="Times New Roman" panose="02020603050405020304" pitchFamily="18" charset="0"/>
                 </a:rPr>
                 <a:t>src</a:t>
               </a:r>
               <a:r>
-                <a:rPr lang="en-US" altLang="ja-JP" sz="500" smtClean="0">
+                <a:rPr lang="en-US" altLang="ja-JP" sz="500" dirty="0">
                   <a:solidFill>
                     <a:srgbClr val="000000"/>
                   </a:solidFill>
-                  <a:latin typeface="メイリオ" panose="020B0604030504040204" pitchFamily="50" charset="-128"/>
+                  <a:latin typeface="Times New Roman" panose="02020603050405020304" pitchFamily="18" charset="0"/>
                   <a:ea typeface="メイリオ" panose="020B0604030504040204" pitchFamily="50" charset="-128"/>
-                  <a:cs typeface="メイリオ" panose="020B0604030504040204" pitchFamily="50" charset="-128"/>
+                  <a:cs typeface="Times New Roman" panose="02020603050405020304" pitchFamily="18" charset="0"/>
                 </a:rPr>
-                <a:t>/prod/resources</a:t>
-              </a:r>
-              <a:r>
-                <a:rPr lang="en-US" altLang="ja-JP" sz="500" dirty="0" smtClean="0">
-                  <a:solidFill>
-                    <a:srgbClr val="000000"/>
-                  </a:solidFill>
-                  <a:latin typeface="メイリオ" panose="020B0604030504040204" pitchFamily="50" charset="-128"/>
-                  <a:ea typeface="メイリオ" panose="020B0604030504040204" pitchFamily="50" charset="-128"/>
-                  <a:cs typeface="メイリオ" panose="020B0604030504040204" pitchFamily="50" charset="-128"/>
-                </a:rPr>
-                <a:t>/</a:t>
+                <a:t>/prod/resources/</a:t>
               </a:r>
               <a:endParaRPr lang="ja-JP" altLang="en-US" sz="500" dirty="0">
-                <a:latin typeface="メイリオ" panose="020B0604030504040204" pitchFamily="50" charset="-128"/>
+                <a:latin typeface="Times New Roman" panose="02020603050405020304" pitchFamily="18" charset="0"/>
                 <a:ea typeface="メイリオ" panose="020B0604030504040204" pitchFamily="50" charset="-128"/>
-                <a:cs typeface="メイリオ" panose="020B0604030504040204" pitchFamily="50" charset="-128"/>
+                <a:cs typeface="Times New Roman" panose="02020603050405020304" pitchFamily="18" charset="0"/>
               </a:endParaRPr>
             </a:p>
           </p:txBody>
@@ -5993,60 +5960,42 @@
                 <a:defRPr sz="1000"/>
               </a:pPr>
               <a:r>
-                <a:rPr lang="ja-JP" altLang="en-US" sz="500" dirty="0">
-                  <a:latin typeface="メイリオ" panose="020B0604030504040204" pitchFamily="50" charset="-128"/>
+                <a:rPr lang="en-US" altLang="ja-JP" sz="500" dirty="0">
+                  <a:latin typeface="Times New Roman" panose="02020603050405020304" pitchFamily="18" charset="0"/>
                   <a:ea typeface="メイリオ" panose="020B0604030504040204" pitchFamily="50" charset="-128"/>
-                  <a:cs typeface="メイリオ" panose="020B0604030504040204" pitchFamily="50" charset="-128"/>
+                  <a:cs typeface="Times New Roman" panose="02020603050405020304" pitchFamily="18" charset="0"/>
                 </a:rPr>
-                <a:t>環境設定</a:t>
+                <a:t>Environment configuration file</a:t>
               </a:r>
-              <a:r>
-                <a:rPr lang="ja-JP" altLang="en-US" sz="500" dirty="0" smtClean="0">
-                  <a:latin typeface="メイリオ" panose="020B0604030504040204" pitchFamily="50" charset="-128"/>
-                  <a:ea typeface="メイリオ" panose="020B0604030504040204" pitchFamily="50" charset="-128"/>
-                  <a:cs typeface="メイリオ" panose="020B0604030504040204" pitchFamily="50" charset="-128"/>
-                </a:rPr>
-                <a:t>ファイル</a:t>
-              </a:r>
-              <a:endParaRPr lang="en-US" altLang="ja-JP" sz="500" dirty="0" smtClean="0">
-                <a:latin typeface="メイリオ" panose="020B0604030504040204" pitchFamily="50" charset="-128"/>
-                <a:ea typeface="メイリオ" panose="020B0604030504040204" pitchFamily="50" charset="-128"/>
-                <a:cs typeface="メイリオ" panose="020B0604030504040204" pitchFamily="50" charset="-128"/>
-              </a:endParaRPr>
             </a:p>
             <a:p>
               <a:pPr>
                 <a:defRPr sz="1000"/>
               </a:pPr>
               <a:r>
-                <a:rPr lang="en-US" altLang="ja-JP" sz="500" dirty="0" smtClean="0">
-                  <a:latin typeface="メイリオ" panose="020B0604030504040204" pitchFamily="50" charset="-128"/>
+                <a:rPr lang="en-US" altLang="ja-JP" sz="500" dirty="0">
+                  <a:latin typeface="Times New Roman" panose="02020603050405020304" pitchFamily="18" charset="0"/>
                   <a:ea typeface="メイリオ" panose="020B0604030504040204" pitchFamily="50" charset="-128"/>
-                  <a:cs typeface="メイリオ" panose="020B0604030504040204" pitchFamily="50" charset="-128"/>
+                  <a:cs typeface="Times New Roman" panose="02020603050405020304" pitchFamily="18" charset="0"/>
                 </a:rPr>
                 <a:t>(</a:t>
               </a:r>
               <a:r>
-                <a:rPr lang="en-US" altLang="ja-JP" sz="500" dirty="0" err="1" smtClean="0">
-                  <a:latin typeface="メイリオ" panose="020B0604030504040204" pitchFamily="50" charset="-128"/>
+                <a:rPr lang="en-US" altLang="ja-JP" sz="500" dirty="0" err="1">
+                  <a:latin typeface="Times New Roman" panose="02020603050405020304" pitchFamily="18" charset="0"/>
                   <a:ea typeface="メイリオ" panose="020B0604030504040204" pitchFamily="50" charset="-128"/>
-                  <a:cs typeface="メイリオ" panose="020B0604030504040204" pitchFamily="50" charset="-128"/>
+                  <a:cs typeface="Times New Roman" panose="02020603050405020304" pitchFamily="18" charset="0"/>
                 </a:rPr>
                 <a:t>env.config</a:t>
               </a:r>
               <a:r>
-                <a:rPr lang="en-US" altLang="ja-JP" sz="500" dirty="0" smtClean="0">
-                  <a:latin typeface="メイリオ" panose="020B0604030504040204" pitchFamily="50" charset="-128"/>
+                <a:rPr lang="en-US" altLang="ja-JP" sz="500" dirty="0">
+                  <a:latin typeface="Times New Roman" panose="02020603050405020304" pitchFamily="18" charset="0"/>
                   <a:ea typeface="メイリオ" panose="020B0604030504040204" pitchFamily="50" charset="-128"/>
-                  <a:cs typeface="メイリオ" panose="020B0604030504040204" pitchFamily="50" charset="-128"/>
+                  <a:cs typeface="Times New Roman" panose="02020603050405020304" pitchFamily="18" charset="0"/>
                 </a:rPr>
                 <a:t>)</a:t>
               </a:r>
-              <a:endParaRPr lang="ja-JP" altLang="en-US" sz="500" dirty="0">
-                <a:latin typeface="メイリオ" panose="020B0604030504040204" pitchFamily="50" charset="-128"/>
-                <a:ea typeface="メイリオ" panose="020B0604030504040204" pitchFamily="50" charset="-128"/>
-                <a:cs typeface="メイリオ" panose="020B0604030504040204" pitchFamily="50" charset="-128"/>
-              </a:endParaRPr>
             </a:p>
           </p:txBody>
         </p:sp>
@@ -6318,22 +6267,17 @@
               </a:lvl9pPr>
             </a:lstStyle>
             <a:p>
-              <a:pPr algn="l" rtl="0">
+              <a:pPr algn="l">
                 <a:defRPr sz="1000"/>
               </a:pPr>
               <a:r>
-                <a:rPr lang="ja-JP" altLang="en-US" sz="500" dirty="0" smtClean="0">
-                  <a:latin typeface="メイリオ" panose="020B0604030504040204" pitchFamily="50" charset="-128"/>
+                <a:rPr lang="en-US" altLang="ja-JP" sz="500" dirty="0">
+                  <a:latin typeface="Times New Roman" panose="02020603050405020304" pitchFamily="18" charset="0"/>
                   <a:ea typeface="メイリオ" panose="020B0604030504040204" pitchFamily="50" charset="-128"/>
-                  <a:cs typeface="メイリオ" panose="020B0604030504040204" pitchFamily="50" charset="-128"/>
+                  <a:cs typeface="Times New Roman" panose="02020603050405020304" pitchFamily="18" charset="0"/>
                 </a:rPr>
-                <a:t>他の環境用ディレクトリは略</a:t>
+                <a:t>Other environment directories are omitted</a:t>
               </a:r>
-              <a:endParaRPr lang="ja-JP" altLang="en-US" sz="500" dirty="0">
-                <a:latin typeface="メイリオ" panose="020B0604030504040204" pitchFamily="50" charset="-128"/>
-                <a:ea typeface="メイリオ" panose="020B0604030504040204" pitchFamily="50" charset="-128"/>
-                <a:cs typeface="メイリオ" panose="020B0604030504040204" pitchFamily="50" charset="-128"/>
-              </a:endParaRPr>
             </a:p>
           </p:txBody>
         </p:sp>
@@ -6347,7 +6291,7 @@
           </p:nvSpPr>
           <p:spPr bwMode="auto">
             <a:xfrm>
-              <a:off x="1349424" y="765820"/>
+              <a:off x="1349424" y="671504"/>
               <a:ext cx="1381271" cy="238332"/>
             </a:xfrm>
             <a:prstGeom prst="rect">
@@ -6357,7 +6301,6 @@
             <a:ln>
               <a:noFill/>
             </a:ln>
-            <a:extLst/>
           </p:spPr>
           <p:txBody>
             <a:bodyPr wrap="square" lIns="27432" tIns="18288" rIns="27432" bIns="0" anchor="t" upright="1"/>
@@ -6427,88 +6370,29 @@
               </a:lvl9pPr>
             </a:lstStyle>
             <a:p>
-              <a:pPr algn="l" rtl="0">
+              <a:pPr algn="l">
                 <a:defRPr sz="1000"/>
               </a:pPr>
               <a:r>
-                <a:rPr lang="ja-JP" altLang="en-US" sz="500" dirty="0" smtClean="0">
-                  <a:latin typeface="メイリオ" panose="020B0604030504040204" pitchFamily="50" charset="-128"/>
-                  <a:ea typeface="メイリオ" panose="020B0604030504040204" pitchFamily="50" charset="-128"/>
-                  <a:cs typeface="メイリオ" panose="020B0604030504040204" pitchFamily="50" charset="-128"/>
+                <a:rPr lang="en-US" altLang="ja-JP" sz="500" dirty="0">
+                  <a:latin typeface="Times New Roman" panose="02020603050405020304" pitchFamily="18" charset="0"/>
+                  <a:cs typeface="Times New Roman" panose="02020603050405020304" pitchFamily="18" charset="0"/>
                 </a:rPr>
-                <a:t>プロファイルを指定して</a:t>
+                <a:t>Run a build on MVN with a profile</a:t>
               </a:r>
-              <a:r>
-                <a:rPr lang="en-US" altLang="ja-JP" sz="500" dirty="0" err="1" smtClean="0">
-                  <a:latin typeface="メイリオ" panose="020B0604030504040204" pitchFamily="50" charset="-128"/>
-                  <a:ea typeface="メイリオ" panose="020B0604030504040204" pitchFamily="50" charset="-128"/>
-                  <a:cs typeface="メイリオ" panose="020B0604030504040204" pitchFamily="50" charset="-128"/>
-                </a:rPr>
-                <a:t>mvn</a:t>
-              </a:r>
-              <a:r>
-                <a:rPr lang="ja-JP" altLang="en-US" sz="500" dirty="0" smtClean="0">
-                  <a:latin typeface="メイリオ" panose="020B0604030504040204" pitchFamily="50" charset="-128"/>
-                  <a:ea typeface="メイリオ" panose="020B0604030504040204" pitchFamily="50" charset="-128"/>
-                  <a:cs typeface="メイリオ" panose="020B0604030504040204" pitchFamily="50" charset="-128"/>
-                </a:rPr>
-                <a:t>でビルドを実行</a:t>
-              </a:r>
-              <a:endParaRPr lang="en-US" altLang="ja-JP" sz="500" dirty="0" smtClean="0">
-                <a:latin typeface="メイリオ" panose="020B0604030504040204" pitchFamily="50" charset="-128"/>
-                <a:ea typeface="メイリオ" panose="020B0604030504040204" pitchFamily="50" charset="-128"/>
-                <a:cs typeface="メイリオ" panose="020B0604030504040204" pitchFamily="50" charset="-128"/>
-              </a:endParaRPr>
             </a:p>
             <a:p>
               <a:pPr>
                 <a:defRPr sz="1000"/>
               </a:pPr>
               <a:r>
-                <a:rPr lang="en-US" altLang="ja-JP" sz="500" dirty="0" smtClean="0">
-                  <a:latin typeface="メイリオ" panose="020B0604030504040204" pitchFamily="50" charset="-128"/>
+                <a:rPr lang="en-US" altLang="ja-JP" sz="500" dirty="0">
+                  <a:latin typeface="Times New Roman" panose="02020603050405020304" pitchFamily="18" charset="0"/>
                   <a:ea typeface="メイリオ" panose="020B0604030504040204" pitchFamily="50" charset="-128"/>
-                  <a:cs typeface="メイリオ" panose="020B0604030504040204" pitchFamily="50" charset="-128"/>
+                  <a:cs typeface="Times New Roman" panose="02020603050405020304" pitchFamily="18" charset="0"/>
                 </a:rPr>
-                <a:t>(</a:t>
+                <a:t>(assume that a production environment has been specified)</a:t>
               </a:r>
-              <a:r>
-                <a:rPr lang="ja-JP" altLang="en-US" sz="500" dirty="0" smtClean="0">
-                  <a:latin typeface="メイリオ" panose="020B0604030504040204" pitchFamily="50" charset="-128"/>
-                  <a:ea typeface="メイリオ" panose="020B0604030504040204" pitchFamily="50" charset="-128"/>
-                  <a:cs typeface="メイリオ" panose="020B0604030504040204" pitchFamily="50" charset="-128"/>
-                </a:rPr>
-                <a:t>本番</a:t>
-              </a:r>
-              <a:r>
-                <a:rPr lang="zh-TW" altLang="en-US" sz="500" dirty="0" smtClean="0">
-                  <a:latin typeface="メイリオ" panose="020B0604030504040204" pitchFamily="50" charset="-128"/>
-                  <a:ea typeface="メイリオ" panose="020B0604030504040204" pitchFamily="50" charset="-128"/>
-                  <a:cs typeface="メイリオ" panose="020B0604030504040204" pitchFamily="50" charset="-128"/>
-                </a:rPr>
-                <a:t>環境</a:t>
-              </a:r>
-              <a:r>
-                <a:rPr lang="ja-JP" altLang="en-US" sz="500" dirty="0" smtClean="0">
-                  <a:latin typeface="メイリオ" panose="020B0604030504040204" pitchFamily="50" charset="-128"/>
-                  <a:ea typeface="メイリオ" panose="020B0604030504040204" pitchFamily="50" charset="-128"/>
-                  <a:cs typeface="メイリオ" panose="020B0604030504040204" pitchFamily="50" charset="-128"/>
-                </a:rPr>
-                <a:t>を指定したとする</a:t>
-              </a:r>
-              <a:r>
-                <a:rPr lang="en-US" altLang="ja-JP" sz="500" dirty="0" smtClean="0">
-                  <a:latin typeface="メイリオ" panose="020B0604030504040204" pitchFamily="50" charset="-128"/>
-                  <a:ea typeface="メイリオ" panose="020B0604030504040204" pitchFamily="50" charset="-128"/>
-                  <a:cs typeface="メイリオ" panose="020B0604030504040204" pitchFamily="50" charset="-128"/>
-                </a:rPr>
-                <a:t>)</a:t>
-              </a:r>
-              <a:endParaRPr lang="ja-JP" altLang="en-US" sz="500" dirty="0">
-                <a:latin typeface="メイリオ" panose="020B0604030504040204" pitchFamily="50" charset="-128"/>
-                <a:ea typeface="メイリオ" panose="020B0604030504040204" pitchFamily="50" charset="-128"/>
-                <a:cs typeface="メイリオ" panose="020B0604030504040204" pitchFamily="50" charset="-128"/>
-              </a:endParaRPr>
             </a:p>
           </p:txBody>
         </p:sp>
@@ -6652,68 +6536,26 @@
                 <a:defRPr sz="1000"/>
               </a:pPr>
               <a:r>
-                <a:rPr lang="ja-JP" altLang="en-US" sz="500" dirty="0">
-                  <a:latin typeface="メイリオ" panose="020B0604030504040204" pitchFamily="50" charset="-128"/>
+                <a:rPr lang="en-US" altLang="ja-JP" sz="500" dirty="0">
+                  <a:latin typeface="Times New Roman" panose="02020603050405020304" pitchFamily="18" charset="0"/>
                   <a:ea typeface="メイリオ" panose="020B0604030504040204" pitchFamily="50" charset="-128"/>
-                  <a:cs typeface="メイリオ" panose="020B0604030504040204" pitchFamily="50" charset="-128"/>
+                  <a:cs typeface="Times New Roman" panose="02020603050405020304" pitchFamily="18" charset="0"/>
                 </a:rPr>
-                <a:t>コンポーネント定義</a:t>
+                <a:t>Component definition file</a:t>
               </a:r>
-              <a:r>
-                <a:rPr lang="ja-JP" altLang="en-US" sz="500" dirty="0" smtClean="0">
-                  <a:latin typeface="メイリオ" panose="020B0604030504040204" pitchFamily="50" charset="-128"/>
-                  <a:ea typeface="メイリオ" panose="020B0604030504040204" pitchFamily="50" charset="-128"/>
-                  <a:cs typeface="メイリオ" panose="020B0604030504040204" pitchFamily="50" charset="-128"/>
-                </a:rPr>
-                <a:t>ファイル</a:t>
-              </a:r>
-              <a:endParaRPr lang="en-US" altLang="ja-JP" sz="500" dirty="0" smtClean="0">
-                <a:latin typeface="メイリオ" panose="020B0604030504040204" pitchFamily="50" charset="-128"/>
-                <a:ea typeface="メイリオ" panose="020B0604030504040204" pitchFamily="50" charset="-128"/>
-                <a:cs typeface="メイリオ" panose="020B0604030504040204" pitchFamily="50" charset="-128"/>
-              </a:endParaRPr>
             </a:p>
             <a:p>
               <a:pPr>
                 <a:defRPr sz="1000"/>
               </a:pPr>
               <a:r>
-                <a:rPr lang="en-US" altLang="ja-JP" sz="500" dirty="0" smtClean="0">
-                  <a:latin typeface="メイリオ" panose="020B0604030504040204" pitchFamily="50" charset="-128"/>
+                <a:rPr lang="en-US" altLang="ja-JP" sz="500" dirty="0">
+                  <a:latin typeface="Times New Roman" panose="02020603050405020304" pitchFamily="18" charset="0"/>
                   <a:ea typeface="メイリオ" panose="020B0604030504040204" pitchFamily="50" charset="-128"/>
-                  <a:cs typeface="メイリオ" panose="020B0604030504040204" pitchFamily="50" charset="-128"/>
+                  <a:cs typeface="Times New Roman" panose="02020603050405020304" pitchFamily="18" charset="0"/>
                 </a:rPr>
-                <a:t>(</a:t>
+                <a:t>(xml file)</a:t>
               </a:r>
-              <a:r>
-                <a:rPr lang="en-US" altLang="ja-JP" sz="500" dirty="0">
-                  <a:latin typeface="メイリオ" panose="020B0604030504040204" pitchFamily="50" charset="-128"/>
-                  <a:ea typeface="メイリオ" panose="020B0604030504040204" pitchFamily="50" charset="-128"/>
-                  <a:cs typeface="メイリオ" panose="020B0604030504040204" pitchFamily="50" charset="-128"/>
-                </a:rPr>
-                <a:t>xml</a:t>
-              </a:r>
-              <a:r>
-                <a:rPr lang="ja-JP" altLang="en-US" sz="500" dirty="0">
-                  <a:latin typeface="メイリオ" panose="020B0604030504040204" pitchFamily="50" charset="-128"/>
-                  <a:ea typeface="メイリオ" panose="020B0604030504040204" pitchFamily="50" charset="-128"/>
-                  <a:cs typeface="メイリオ" panose="020B0604030504040204" pitchFamily="50" charset="-128"/>
-                </a:rPr>
-                <a:t>ファイル</a:t>
-              </a:r>
-              <a:r>
-                <a:rPr lang="en-US" altLang="ja-JP" sz="500" dirty="0">
-                  <a:latin typeface="メイリオ" panose="020B0604030504040204" pitchFamily="50" charset="-128"/>
-                  <a:ea typeface="メイリオ" panose="020B0604030504040204" pitchFamily="50" charset="-128"/>
-                  <a:cs typeface="メイリオ" panose="020B0604030504040204" pitchFamily="50" charset="-128"/>
-                </a:rPr>
-                <a:t>)</a:t>
-              </a:r>
-              <a:endParaRPr lang="ja-JP" altLang="en-US" sz="500" dirty="0">
-                <a:latin typeface="メイリオ" panose="020B0604030504040204" pitchFamily="50" charset="-128"/>
-                <a:ea typeface="メイリオ" panose="020B0604030504040204" pitchFamily="50" charset="-128"/>
-                <a:cs typeface="メイリオ" panose="020B0604030504040204" pitchFamily="50" charset="-128"/>
-              </a:endParaRPr>
             </a:p>
           </p:txBody>
         </p:sp>
@@ -6824,13 +6666,13 @@
                 <a:defRPr sz="1000"/>
               </a:pPr>
               <a:r>
-                <a:rPr lang="en-US" altLang="ja-JP" sz="500" dirty="0" smtClean="0">
+                <a:rPr lang="en-US" altLang="ja-JP" sz="500" dirty="0">
                   <a:solidFill>
                     <a:srgbClr val="000000"/>
                   </a:solidFill>
-                  <a:latin typeface="メイリオ" panose="020B0604030504040204" pitchFamily="50" charset="-128"/>
+                  <a:latin typeface="Times New Roman" panose="02020603050405020304" pitchFamily="18" charset="0"/>
                   <a:ea typeface="メイリオ" panose="020B0604030504040204" pitchFamily="50" charset="-128"/>
-                  <a:cs typeface="メイリオ" panose="020B0604030504040204" pitchFamily="50" charset="-128"/>
+                  <a:cs typeface="Times New Roman" panose="02020603050405020304" pitchFamily="18" charset="0"/>
                 </a:rPr>
                 <a:t>target/classes/ </a:t>
               </a:r>
@@ -6840,42 +6682,20 @@
                 <a:defRPr sz="1000"/>
               </a:pPr>
               <a:r>
-                <a:rPr lang="en-US" altLang="ja-JP" sz="500" dirty="0" smtClean="0">
+                <a:rPr lang="en-US" altLang="ja-JP" sz="500" dirty="0">
                   <a:solidFill>
                     <a:srgbClr val="000000"/>
                   </a:solidFill>
-                  <a:latin typeface="メイリオ" panose="020B0604030504040204" pitchFamily="50" charset="-128"/>
+                  <a:latin typeface="Times New Roman" panose="02020603050405020304" pitchFamily="18" charset="0"/>
                   <a:ea typeface="メイリオ" panose="020B0604030504040204" pitchFamily="50" charset="-128"/>
-                  <a:cs typeface="メイリオ" panose="020B0604030504040204" pitchFamily="50" charset="-128"/>
+                  <a:cs typeface="Times New Roman" panose="02020603050405020304" pitchFamily="18" charset="0"/>
                 </a:rPr>
-                <a:t>(</a:t>
-              </a:r>
-              <a:r>
-                <a:rPr lang="ja-JP" altLang="en-US" sz="500" dirty="0" smtClean="0">
-                  <a:solidFill>
-                    <a:srgbClr val="000000"/>
-                  </a:solidFill>
-                  <a:latin typeface="メイリオ" panose="020B0604030504040204" pitchFamily="50" charset="-128"/>
-                  <a:ea typeface="メイリオ" panose="020B0604030504040204" pitchFamily="50" charset="-128"/>
-                  <a:cs typeface="メイリオ" panose="020B0604030504040204" pitchFamily="50" charset="-128"/>
-                </a:rPr>
-                <a:t>ビルド結果が格納されるディレクトリ</a:t>
-              </a:r>
-              <a:r>
-                <a:rPr lang="en-US" altLang="ja-JP" sz="500" dirty="0" smtClean="0">
-                  <a:solidFill>
-                    <a:srgbClr val="000000"/>
-                  </a:solidFill>
-                  <a:latin typeface="メイリオ" panose="020B0604030504040204" pitchFamily="50" charset="-128"/>
-                  <a:ea typeface="メイリオ" panose="020B0604030504040204" pitchFamily="50" charset="-128"/>
-                  <a:cs typeface="メイリオ" panose="020B0604030504040204" pitchFamily="50" charset="-128"/>
-                </a:rPr>
-                <a:t>)</a:t>
+                <a:t>(directory where the build results are stored)</a:t>
               </a:r>
               <a:endParaRPr lang="ja-JP" altLang="en-US" sz="500" dirty="0">
-                <a:latin typeface="メイリオ" panose="020B0604030504040204" pitchFamily="50" charset="-128"/>
+                <a:latin typeface="Times New Roman" panose="02020603050405020304" pitchFamily="18" charset="0"/>
                 <a:ea typeface="メイリオ" panose="020B0604030504040204" pitchFamily="50" charset="-128"/>
-                <a:cs typeface="メイリオ" panose="020B0604030504040204" pitchFamily="50" charset="-128"/>
+                <a:cs typeface="Times New Roman" panose="02020603050405020304" pitchFamily="18" charset="0"/>
               </a:endParaRPr>
             </a:p>
           </p:txBody>
@@ -7020,68 +6840,26 @@
                 <a:defRPr sz="1000"/>
               </a:pPr>
               <a:r>
-                <a:rPr lang="ja-JP" altLang="en-US" sz="500" dirty="0">
-                  <a:latin typeface="メイリオ" panose="020B0604030504040204" pitchFamily="50" charset="-128"/>
+                <a:rPr lang="en-US" altLang="ja-JP" sz="500" dirty="0">
+                  <a:latin typeface="Times New Roman" panose="02020603050405020304" pitchFamily="18" charset="0"/>
                   <a:ea typeface="メイリオ" panose="020B0604030504040204" pitchFamily="50" charset="-128"/>
-                  <a:cs typeface="メイリオ" panose="020B0604030504040204" pitchFamily="50" charset="-128"/>
+                  <a:cs typeface="Times New Roman" panose="02020603050405020304" pitchFamily="18" charset="0"/>
                 </a:rPr>
-                <a:t>コンポーネント定義</a:t>
+                <a:t>Component definition file</a:t>
               </a:r>
-              <a:r>
-                <a:rPr lang="ja-JP" altLang="en-US" sz="500" dirty="0" smtClean="0">
-                  <a:latin typeface="メイリオ" panose="020B0604030504040204" pitchFamily="50" charset="-128"/>
-                  <a:ea typeface="メイリオ" panose="020B0604030504040204" pitchFamily="50" charset="-128"/>
-                  <a:cs typeface="メイリオ" panose="020B0604030504040204" pitchFamily="50" charset="-128"/>
-                </a:rPr>
-                <a:t>ファイル</a:t>
-              </a:r>
-              <a:endParaRPr lang="en-US" altLang="ja-JP" sz="500" dirty="0" smtClean="0">
-                <a:latin typeface="メイリオ" panose="020B0604030504040204" pitchFamily="50" charset="-128"/>
-                <a:ea typeface="メイリオ" panose="020B0604030504040204" pitchFamily="50" charset="-128"/>
-                <a:cs typeface="メイリオ" panose="020B0604030504040204" pitchFamily="50" charset="-128"/>
-              </a:endParaRPr>
             </a:p>
             <a:p>
               <a:pPr>
                 <a:defRPr sz="1000"/>
               </a:pPr>
               <a:r>
-                <a:rPr lang="en-US" altLang="ja-JP" sz="500" dirty="0" smtClean="0">
-                  <a:latin typeface="メイリオ" panose="020B0604030504040204" pitchFamily="50" charset="-128"/>
+                <a:rPr lang="en-US" altLang="ja-JP" sz="500" dirty="0">
+                  <a:latin typeface="Times New Roman" panose="02020603050405020304" pitchFamily="18" charset="0"/>
                   <a:ea typeface="メイリオ" panose="020B0604030504040204" pitchFamily="50" charset="-128"/>
-                  <a:cs typeface="メイリオ" panose="020B0604030504040204" pitchFamily="50" charset="-128"/>
+                  <a:cs typeface="Times New Roman" panose="02020603050405020304" pitchFamily="18" charset="0"/>
                 </a:rPr>
-                <a:t>(</a:t>
+                <a:t>(xml file)</a:t>
               </a:r>
-              <a:r>
-                <a:rPr lang="en-US" altLang="ja-JP" sz="500" dirty="0">
-                  <a:latin typeface="メイリオ" panose="020B0604030504040204" pitchFamily="50" charset="-128"/>
-                  <a:ea typeface="メイリオ" panose="020B0604030504040204" pitchFamily="50" charset="-128"/>
-                  <a:cs typeface="メイリオ" panose="020B0604030504040204" pitchFamily="50" charset="-128"/>
-                </a:rPr>
-                <a:t>xml</a:t>
-              </a:r>
-              <a:r>
-                <a:rPr lang="ja-JP" altLang="en-US" sz="500" dirty="0">
-                  <a:latin typeface="メイリオ" panose="020B0604030504040204" pitchFamily="50" charset="-128"/>
-                  <a:ea typeface="メイリオ" panose="020B0604030504040204" pitchFamily="50" charset="-128"/>
-                  <a:cs typeface="メイリオ" panose="020B0604030504040204" pitchFamily="50" charset="-128"/>
-                </a:rPr>
-                <a:t>ファイル</a:t>
-              </a:r>
-              <a:r>
-                <a:rPr lang="en-US" altLang="ja-JP" sz="500" dirty="0">
-                  <a:latin typeface="メイリオ" panose="020B0604030504040204" pitchFamily="50" charset="-128"/>
-                  <a:ea typeface="メイリオ" panose="020B0604030504040204" pitchFamily="50" charset="-128"/>
-                  <a:cs typeface="メイリオ" panose="020B0604030504040204" pitchFamily="50" charset="-128"/>
-                </a:rPr>
-                <a:t>)</a:t>
-              </a:r>
-              <a:endParaRPr lang="ja-JP" altLang="en-US" sz="500" dirty="0">
-                <a:latin typeface="メイリオ" panose="020B0604030504040204" pitchFamily="50" charset="-128"/>
-                <a:ea typeface="メイリオ" panose="020B0604030504040204" pitchFamily="50" charset="-128"/>
-                <a:cs typeface="メイリオ" panose="020B0604030504040204" pitchFamily="50" charset="-128"/>
-              </a:endParaRPr>
             </a:p>
           </p:txBody>
         </p:sp>
@@ -7318,68 +7096,26 @@
                 <a:defRPr sz="1000"/>
               </a:pPr>
               <a:r>
-                <a:rPr lang="ja-JP" altLang="en-US" sz="500" dirty="0">
-                  <a:latin typeface="メイリオ" panose="020B0604030504040204" pitchFamily="50" charset="-128"/>
+                <a:rPr lang="en-US" altLang="ja-JP" sz="500" dirty="0">
+                  <a:latin typeface="Times New Roman" panose="02020603050405020304" pitchFamily="18" charset="0"/>
                   <a:ea typeface="メイリオ" panose="020B0604030504040204" pitchFamily="50" charset="-128"/>
-                  <a:cs typeface="メイリオ" panose="020B0604030504040204" pitchFamily="50" charset="-128"/>
+                  <a:cs typeface="Times New Roman" panose="02020603050405020304" pitchFamily="18" charset="0"/>
                 </a:rPr>
-                <a:t>コンポーネント定義</a:t>
+                <a:t>Component definition file</a:t>
               </a:r>
-              <a:r>
-                <a:rPr lang="ja-JP" altLang="en-US" sz="500" dirty="0" smtClean="0">
-                  <a:latin typeface="メイリオ" panose="020B0604030504040204" pitchFamily="50" charset="-128"/>
-                  <a:ea typeface="メイリオ" panose="020B0604030504040204" pitchFamily="50" charset="-128"/>
-                  <a:cs typeface="メイリオ" panose="020B0604030504040204" pitchFamily="50" charset="-128"/>
-                </a:rPr>
-                <a:t>ファイル</a:t>
-              </a:r>
-              <a:endParaRPr lang="en-US" altLang="ja-JP" sz="500" dirty="0" smtClean="0">
-                <a:latin typeface="メイリオ" panose="020B0604030504040204" pitchFamily="50" charset="-128"/>
-                <a:ea typeface="メイリオ" panose="020B0604030504040204" pitchFamily="50" charset="-128"/>
-                <a:cs typeface="メイリオ" panose="020B0604030504040204" pitchFamily="50" charset="-128"/>
-              </a:endParaRPr>
             </a:p>
             <a:p>
               <a:pPr>
                 <a:defRPr sz="1000"/>
               </a:pPr>
               <a:r>
-                <a:rPr lang="en-US" altLang="ja-JP" sz="500" dirty="0" smtClean="0">
-                  <a:latin typeface="メイリオ" panose="020B0604030504040204" pitchFamily="50" charset="-128"/>
+                <a:rPr lang="en-US" altLang="ja-JP" sz="500" dirty="0">
+                  <a:latin typeface="Times New Roman" panose="02020603050405020304" pitchFamily="18" charset="0"/>
                   <a:ea typeface="メイリオ" panose="020B0604030504040204" pitchFamily="50" charset="-128"/>
-                  <a:cs typeface="メイリオ" panose="020B0604030504040204" pitchFamily="50" charset="-128"/>
+                  <a:cs typeface="Times New Roman" panose="02020603050405020304" pitchFamily="18" charset="0"/>
                 </a:rPr>
-                <a:t>(</a:t>
+                <a:t>(xml file)</a:t>
               </a:r>
-              <a:r>
-                <a:rPr lang="en-US" altLang="ja-JP" sz="500" dirty="0">
-                  <a:latin typeface="メイリオ" panose="020B0604030504040204" pitchFamily="50" charset="-128"/>
-                  <a:ea typeface="メイリオ" panose="020B0604030504040204" pitchFamily="50" charset="-128"/>
-                  <a:cs typeface="メイリオ" panose="020B0604030504040204" pitchFamily="50" charset="-128"/>
-                </a:rPr>
-                <a:t>xml</a:t>
-              </a:r>
-              <a:r>
-                <a:rPr lang="ja-JP" altLang="en-US" sz="500" dirty="0">
-                  <a:latin typeface="メイリオ" panose="020B0604030504040204" pitchFamily="50" charset="-128"/>
-                  <a:ea typeface="メイリオ" panose="020B0604030504040204" pitchFamily="50" charset="-128"/>
-                  <a:cs typeface="メイリオ" panose="020B0604030504040204" pitchFamily="50" charset="-128"/>
-                </a:rPr>
-                <a:t>ファイル</a:t>
-              </a:r>
-              <a:r>
-                <a:rPr lang="en-US" altLang="ja-JP" sz="500" dirty="0">
-                  <a:latin typeface="メイリオ" panose="020B0604030504040204" pitchFamily="50" charset="-128"/>
-                  <a:ea typeface="メイリオ" panose="020B0604030504040204" pitchFamily="50" charset="-128"/>
-                  <a:cs typeface="メイリオ" panose="020B0604030504040204" pitchFamily="50" charset="-128"/>
-                </a:rPr>
-                <a:t>)</a:t>
-              </a:r>
-              <a:endParaRPr lang="ja-JP" altLang="en-US" sz="500" dirty="0">
-                <a:latin typeface="メイリオ" panose="020B0604030504040204" pitchFamily="50" charset="-128"/>
-                <a:ea typeface="メイリオ" panose="020B0604030504040204" pitchFamily="50" charset="-128"/>
-                <a:cs typeface="メイリオ" panose="020B0604030504040204" pitchFamily="50" charset="-128"/>
-              </a:endParaRPr>
             </a:p>
           </p:txBody>
         </p:sp>
@@ -7483,18 +7219,13 @@
                 <a:defRPr sz="1000"/>
               </a:pPr>
               <a:r>
-                <a:rPr lang="ja-JP" altLang="en-US" sz="500" dirty="0">
-                  <a:latin typeface="メイリオ" panose="020B0604030504040204" pitchFamily="50" charset="-128"/>
+                <a:rPr lang="en-US" altLang="ja-JP" sz="500" dirty="0">
+                  <a:latin typeface="Times New Roman" panose="02020603050405020304" pitchFamily="18" charset="0"/>
                   <a:ea typeface="メイリオ" panose="020B0604030504040204" pitchFamily="50" charset="-128"/>
-                  <a:cs typeface="メイリオ" panose="020B0604030504040204" pitchFamily="50" charset="-128"/>
+                  <a:cs typeface="Times New Roman" panose="02020603050405020304" pitchFamily="18" charset="0"/>
                 </a:rPr>
-                <a:t>環境設定ファイル</a:t>
+                <a:t>Environment configuration file</a:t>
               </a:r>
-              <a:endParaRPr lang="en-US" altLang="ja-JP" sz="500" dirty="0">
-                <a:latin typeface="メイリオ" panose="020B0604030504040204" pitchFamily="50" charset="-128"/>
-                <a:ea typeface="メイリオ" panose="020B0604030504040204" pitchFamily="50" charset="-128"/>
-                <a:cs typeface="メイリオ" panose="020B0604030504040204" pitchFamily="50" charset="-128"/>
-              </a:endParaRPr>
             </a:p>
             <a:p>
               <a:pPr>
@@ -7502,33 +7233,28 @@
               </a:pPr>
               <a:r>
                 <a:rPr lang="en-US" altLang="ja-JP" sz="500" dirty="0">
-                  <a:latin typeface="メイリオ" panose="020B0604030504040204" pitchFamily="50" charset="-128"/>
+                  <a:latin typeface="Times New Roman" panose="02020603050405020304" pitchFamily="18" charset="0"/>
                   <a:ea typeface="メイリオ" panose="020B0604030504040204" pitchFamily="50" charset="-128"/>
-                  <a:cs typeface="メイリオ" panose="020B0604030504040204" pitchFamily="50" charset="-128"/>
+                  <a:cs typeface="Times New Roman" panose="02020603050405020304" pitchFamily="18" charset="0"/>
                 </a:rPr>
                 <a:t>(</a:t>
               </a:r>
               <a:r>
                 <a:rPr lang="en-US" altLang="ja-JP" sz="500" dirty="0" err="1">
-                  <a:latin typeface="メイリオ" panose="020B0604030504040204" pitchFamily="50" charset="-128"/>
+                  <a:latin typeface="Times New Roman" panose="02020603050405020304" pitchFamily="18" charset="0"/>
                   <a:ea typeface="メイリオ" panose="020B0604030504040204" pitchFamily="50" charset="-128"/>
-                  <a:cs typeface="メイリオ" panose="020B0604030504040204" pitchFamily="50" charset="-128"/>
+                  <a:cs typeface="Times New Roman" panose="02020603050405020304" pitchFamily="18" charset="0"/>
                 </a:rPr>
                 <a:t>env.config</a:t>
               </a:r>
               <a:r>
                 <a:rPr lang="en-US" altLang="ja-JP" sz="500" dirty="0">
-                  <a:latin typeface="メイリオ" panose="020B0604030504040204" pitchFamily="50" charset="-128"/>
+                  <a:latin typeface="Times New Roman" panose="02020603050405020304" pitchFamily="18" charset="0"/>
                   <a:ea typeface="メイリオ" panose="020B0604030504040204" pitchFamily="50" charset="-128"/>
-                  <a:cs typeface="メイリオ" panose="020B0604030504040204" pitchFamily="50" charset="-128"/>
+                  <a:cs typeface="Times New Roman" panose="02020603050405020304" pitchFamily="18" charset="0"/>
                 </a:rPr>
                 <a:t>)</a:t>
               </a:r>
-              <a:endParaRPr lang="ja-JP" altLang="en-US" sz="500" dirty="0">
-                <a:latin typeface="メイリオ" panose="020B0604030504040204" pitchFamily="50" charset="-128"/>
-                <a:ea typeface="メイリオ" panose="020B0604030504040204" pitchFamily="50" charset="-128"/>
-                <a:cs typeface="メイリオ" panose="020B0604030504040204" pitchFamily="50" charset="-128"/>
-              </a:endParaRPr>
             </a:p>
           </p:txBody>
         </p:sp>
@@ -7641,7 +7367,6 @@
             <a:ln>
               <a:noFill/>
             </a:ln>
-            <a:extLst/>
           </p:spPr>
           <p:txBody>
             <a:bodyPr wrap="square" lIns="27432" tIns="18288" rIns="27432" bIns="0" anchor="t" upright="1"/>
@@ -7715,13 +7440,24 @@
                 <a:defRPr sz="1000"/>
               </a:pPr>
               <a:r>
+                <a:rPr lang="en-US" altLang="ja-JP" sz="500">
+                  <a:solidFill>
+                    <a:srgbClr val="000000"/>
+                  </a:solidFill>
+                  <a:latin typeface="Times New Roman" panose="02020603050405020304" pitchFamily="18" charset="0"/>
+                  <a:ea typeface="メイリオ" panose="020B0604030504040204" pitchFamily="50" charset="-128"/>
+                  <a:cs typeface="Times New Roman" panose="02020603050405020304" pitchFamily="18" charset="0"/>
+                </a:rPr>
+                <a:t>Content below </a:t>
+              </a:r>
+              <a:r>
                 <a:rPr lang="en-US" altLang="ja-JP" sz="500" dirty="0" err="1">
                   <a:solidFill>
                     <a:srgbClr val="000000"/>
                   </a:solidFill>
-                  <a:latin typeface="メイリオ" panose="020B0604030504040204" pitchFamily="50" charset="-128"/>
+                  <a:latin typeface="Times New Roman" panose="02020603050405020304" pitchFamily="18" charset="0"/>
                   <a:ea typeface="メイリオ" panose="020B0604030504040204" pitchFamily="50" charset="-128"/>
-                  <a:cs typeface="メイリオ" panose="020B0604030504040204" pitchFamily="50" charset="-128"/>
+                  <a:cs typeface="Times New Roman" panose="02020603050405020304" pitchFamily="18" charset="0"/>
                 </a:rPr>
                 <a:t>src</a:t>
               </a:r>
@@ -7730,33 +7466,11 @@
                   <a:solidFill>
                     <a:srgbClr val="000000"/>
                   </a:solidFill>
-                  <a:latin typeface="メイリオ" panose="020B0604030504040204" pitchFamily="50" charset="-128"/>
+                  <a:latin typeface="Times New Roman" panose="02020603050405020304" pitchFamily="18" charset="0"/>
                   <a:ea typeface="メイリオ" panose="020B0604030504040204" pitchFamily="50" charset="-128"/>
-                  <a:cs typeface="メイリオ" panose="020B0604030504040204" pitchFamily="50" charset="-128"/>
+                  <a:cs typeface="Times New Roman" panose="02020603050405020304" pitchFamily="18" charset="0"/>
                 </a:rPr>
-                <a:t>/main/resources</a:t>
-              </a:r>
-              <a:r>
-                <a:rPr lang="en-US" altLang="ja-JP" sz="500" dirty="0" smtClean="0">
-                  <a:solidFill>
-                    <a:srgbClr val="000000"/>
-                  </a:solidFill>
-                  <a:latin typeface="メイリオ" panose="020B0604030504040204" pitchFamily="50" charset="-128"/>
-                  <a:ea typeface="メイリオ" panose="020B0604030504040204" pitchFamily="50" charset="-128"/>
-                  <a:cs typeface="メイリオ" panose="020B0604030504040204" pitchFamily="50" charset="-128"/>
-                </a:rPr>
-                <a:t>/</a:t>
-              </a:r>
-              <a:r>
-                <a:rPr lang="ja-JP" altLang="en-US" sz="500" dirty="0" smtClean="0">
-                  <a:solidFill>
-                    <a:srgbClr val="000000"/>
-                  </a:solidFill>
-                  <a:latin typeface="メイリオ" panose="020B0604030504040204" pitchFamily="50" charset="-128"/>
-                  <a:ea typeface="メイリオ" panose="020B0604030504040204" pitchFamily="50" charset="-128"/>
-                  <a:cs typeface="メイリオ" panose="020B0604030504040204" pitchFamily="50" charset="-128"/>
-                </a:rPr>
-                <a:t>以下がコピーされる</a:t>
+                <a:t>/main/resources/ is copied</a:t>
               </a:r>
               <a:endParaRPr lang="ja-JP" altLang="en-US" sz="500" dirty="0">
                 <a:latin typeface="メイリオ" panose="020B0604030504040204" pitchFamily="50" charset="-128"/>
@@ -7964,7 +7678,6 @@
             <a:ln>
               <a:noFill/>
             </a:ln>
-            <a:extLst/>
           </p:spPr>
           <p:txBody>
             <a:bodyPr wrap="square" lIns="27432" tIns="18288" rIns="27432" bIns="0" anchor="t" upright="1"/>
@@ -8038,46 +7751,24 @@
                 <a:defRPr sz="1000"/>
               </a:pPr>
               <a:r>
-                <a:rPr lang="ja-JP" altLang="en-US" sz="500" dirty="0" smtClean="0">
+                <a:rPr lang="en-US" altLang="ja-JP" sz="500" dirty="0">
                   <a:solidFill>
                     <a:srgbClr val="000000"/>
                   </a:solidFill>
-                  <a:latin typeface="メイリオ" panose="020B0604030504040204" pitchFamily="50" charset="-128"/>
+                  <a:latin typeface="Times New Roman" panose="02020603050405020304" pitchFamily="18" charset="0"/>
                   <a:ea typeface="メイリオ" panose="020B0604030504040204" pitchFamily="50" charset="-128"/>
-                  <a:cs typeface="メイリオ" panose="020B0604030504040204" pitchFamily="50" charset="-128"/>
+                  <a:cs typeface="Times New Roman" panose="02020603050405020304" pitchFamily="18" charset="0"/>
                 </a:rPr>
-                <a:t>指定したプロファイル用ディレクトリの中身</a:t>
-              </a:r>
-              <a:r>
-                <a:rPr lang="en-US" altLang="ja-JP" sz="500" dirty="0" smtClean="0">
-                  <a:solidFill>
-                    <a:srgbClr val="000000"/>
-                  </a:solidFill>
-                  <a:latin typeface="メイリオ" panose="020B0604030504040204" pitchFamily="50" charset="-128"/>
-                  <a:ea typeface="メイリオ" panose="020B0604030504040204" pitchFamily="50" charset="-128"/>
-                  <a:cs typeface="メイリオ" panose="020B0604030504040204" pitchFamily="50" charset="-128"/>
-                </a:rPr>
-                <a:t>(</a:t>
-              </a:r>
-              <a:r>
-                <a:rPr lang="ja-JP" altLang="en-US" sz="500" dirty="0" smtClean="0">
-                  <a:solidFill>
-                    <a:srgbClr val="000000"/>
-                  </a:solidFill>
-                  <a:latin typeface="メイリオ" panose="020B0604030504040204" pitchFamily="50" charset="-128"/>
-                  <a:ea typeface="メイリオ" panose="020B0604030504040204" pitchFamily="50" charset="-128"/>
-                  <a:cs typeface="メイリオ" panose="020B0604030504040204" pitchFamily="50" charset="-128"/>
-                </a:rPr>
-                <a:t>ここでは</a:t>
+                <a:t>Contents of the specified profile directory content below (</a:t>
               </a:r>
               <a:r>
                 <a:rPr lang="en-US" altLang="ja-JP" sz="500" dirty="0" err="1">
                   <a:solidFill>
                     <a:srgbClr val="000000"/>
                   </a:solidFill>
-                  <a:latin typeface="メイリオ" panose="020B0604030504040204" pitchFamily="50" charset="-128"/>
+                  <a:latin typeface="Times New Roman" panose="02020603050405020304" pitchFamily="18" charset="0"/>
                   <a:ea typeface="メイリオ" panose="020B0604030504040204" pitchFamily="50" charset="-128"/>
-                  <a:cs typeface="メイリオ" panose="020B0604030504040204" pitchFamily="50" charset="-128"/>
+                  <a:cs typeface="Times New Roman" panose="02020603050405020304" pitchFamily="18" charset="0"/>
                 </a:rPr>
                 <a:t>src</a:t>
               </a:r>
@@ -8086,61 +7777,12 @@
                   <a:solidFill>
                     <a:srgbClr val="000000"/>
                   </a:solidFill>
-                  <a:latin typeface="メイリオ" panose="020B0604030504040204" pitchFamily="50" charset="-128"/>
+                  <a:latin typeface="Times New Roman" panose="02020603050405020304" pitchFamily="18" charset="0"/>
                   <a:ea typeface="メイリオ" panose="020B0604030504040204" pitchFamily="50" charset="-128"/>
-                  <a:cs typeface="メイリオ" panose="020B0604030504040204" pitchFamily="50" charset="-128"/>
+                  <a:cs typeface="Times New Roman" panose="02020603050405020304" pitchFamily="18" charset="0"/>
                 </a:rPr>
-                <a:t>/</a:t>
+                <a:t>/env/prod/resources/) is copied</a:t>
               </a:r>
-              <a:r>
-                <a:rPr lang="en-US" altLang="ja-JP" sz="500" dirty="0" err="1">
-                  <a:solidFill>
-                    <a:srgbClr val="000000"/>
-                  </a:solidFill>
-                  <a:latin typeface="メイリオ" panose="020B0604030504040204" pitchFamily="50" charset="-128"/>
-                  <a:ea typeface="メイリオ" panose="020B0604030504040204" pitchFamily="50" charset="-128"/>
-                  <a:cs typeface="メイリオ" panose="020B0604030504040204" pitchFamily="50" charset="-128"/>
-                </a:rPr>
-                <a:t>env</a:t>
-              </a:r>
-              <a:r>
-                <a:rPr lang="en-US" altLang="ja-JP" sz="500" dirty="0">
-                  <a:solidFill>
-                    <a:srgbClr val="000000"/>
-                  </a:solidFill>
-                  <a:latin typeface="メイリオ" panose="020B0604030504040204" pitchFamily="50" charset="-128"/>
-                  <a:ea typeface="メイリオ" panose="020B0604030504040204" pitchFamily="50" charset="-128"/>
-                  <a:cs typeface="メイリオ" panose="020B0604030504040204" pitchFamily="50" charset="-128"/>
-                </a:rPr>
-                <a:t>/prod/resources</a:t>
-              </a:r>
-              <a:r>
-                <a:rPr lang="en-US" altLang="ja-JP" sz="500" dirty="0" smtClean="0">
-                  <a:solidFill>
-                    <a:srgbClr val="000000"/>
-                  </a:solidFill>
-                  <a:latin typeface="メイリオ" panose="020B0604030504040204" pitchFamily="50" charset="-128"/>
-                  <a:ea typeface="メイリオ" panose="020B0604030504040204" pitchFamily="50" charset="-128"/>
-                  <a:cs typeface="メイリオ" panose="020B0604030504040204" pitchFamily="50" charset="-128"/>
-                </a:rPr>
-                <a:t>/)</a:t>
-              </a:r>
-              <a:r>
-                <a:rPr lang="ja-JP" altLang="en-US" sz="500" dirty="0" smtClean="0">
-                  <a:solidFill>
-                    <a:srgbClr val="000000"/>
-                  </a:solidFill>
-                  <a:latin typeface="メイリオ" panose="020B0604030504040204" pitchFamily="50" charset="-128"/>
-                  <a:ea typeface="メイリオ" panose="020B0604030504040204" pitchFamily="50" charset="-128"/>
-                  <a:cs typeface="メイリオ" panose="020B0604030504040204" pitchFamily="50" charset="-128"/>
-                </a:rPr>
-                <a:t>以下がコピーされる</a:t>
-              </a:r>
-              <a:endParaRPr lang="ja-JP" altLang="en-US" sz="500" dirty="0">
-                <a:latin typeface="メイリオ" panose="020B0604030504040204" pitchFamily="50" charset="-128"/>
-                <a:ea typeface="メイリオ" panose="020B0604030504040204" pitchFamily="50" charset="-128"/>
-                <a:cs typeface="メイリオ" panose="020B0604030504040204" pitchFamily="50" charset="-128"/>
-              </a:endParaRPr>
             </a:p>
           </p:txBody>
         </p:sp>
@@ -8244,76 +7886,41 @@
                 <a:defRPr sz="1000"/>
               </a:pPr>
               <a:r>
-                <a:rPr lang="ja-JP" altLang="en-US" sz="500" dirty="0" smtClean="0">
-                  <a:latin typeface="メイリオ" panose="020B0604030504040204" pitchFamily="50" charset="-128"/>
-                  <a:ea typeface="メイリオ" panose="020B0604030504040204" pitchFamily="50" charset="-128"/>
-                  <a:cs typeface="メイリオ" panose="020B0604030504040204" pitchFamily="50" charset="-128"/>
+                <a:rPr lang="en-US" altLang="ja-JP" sz="500" dirty="0">
+                  <a:latin typeface="Times New Roman" panose="02020603050405020304" pitchFamily="18" charset="0"/>
+                  <a:cs typeface="Times New Roman" panose="02020603050405020304" pitchFamily="18" charset="0"/>
                 </a:rPr>
-                <a:t>環境</a:t>
+                <a:t>Environment configuration file</a:t>
               </a:r>
-              <a:r>
-                <a:rPr lang="ja-JP" altLang="en-US" sz="500" dirty="0">
-                  <a:latin typeface="メイリオ" panose="020B0604030504040204" pitchFamily="50" charset="-128"/>
-                  <a:ea typeface="メイリオ" panose="020B0604030504040204" pitchFamily="50" charset="-128"/>
-                  <a:cs typeface="メイリオ" panose="020B0604030504040204" pitchFamily="50" charset="-128"/>
-                </a:rPr>
-                <a:t>設定</a:t>
-              </a:r>
-              <a:r>
-                <a:rPr lang="ja-JP" altLang="en-US" sz="500" dirty="0" smtClean="0">
-                  <a:latin typeface="メイリオ" panose="020B0604030504040204" pitchFamily="50" charset="-128"/>
-                  <a:ea typeface="メイリオ" panose="020B0604030504040204" pitchFamily="50" charset="-128"/>
-                  <a:cs typeface="メイリオ" panose="020B0604030504040204" pitchFamily="50" charset="-128"/>
-                </a:rPr>
-                <a:t>ファイル</a:t>
-              </a:r>
-              <a:endParaRPr lang="en-US" altLang="ja-JP" sz="500" dirty="0" smtClean="0">
-                <a:latin typeface="メイリオ" panose="020B0604030504040204" pitchFamily="50" charset="-128"/>
-                <a:ea typeface="メイリオ" panose="020B0604030504040204" pitchFamily="50" charset="-128"/>
-                <a:cs typeface="メイリオ" panose="020B0604030504040204" pitchFamily="50" charset="-128"/>
-              </a:endParaRPr>
             </a:p>
             <a:p>
               <a:pPr>
                 <a:defRPr sz="1000"/>
               </a:pPr>
               <a:r>
-                <a:rPr lang="en-US" altLang="ja-JP" sz="500" dirty="0" smtClean="0">
-                  <a:latin typeface="メイリオ" panose="020B0604030504040204" pitchFamily="50" charset="-128"/>
+                <a:rPr lang="en-US" altLang="ja-JP" sz="500" dirty="0">
+                  <a:latin typeface="Times New Roman" panose="02020603050405020304" pitchFamily="18" charset="0"/>
                   <a:ea typeface="メイリオ" panose="020B0604030504040204" pitchFamily="50" charset="-128"/>
-                  <a:cs typeface="メイリオ" panose="020B0604030504040204" pitchFamily="50" charset="-128"/>
+                  <a:cs typeface="Times New Roman" panose="02020603050405020304" pitchFamily="18" charset="0"/>
                 </a:rPr>
                 <a:t>(</a:t>
               </a:r>
               <a:r>
-                <a:rPr lang="en-US" altLang="ja-JP" sz="500" dirty="0" err="1" smtClean="0">
-                  <a:latin typeface="メイリオ" panose="020B0604030504040204" pitchFamily="50" charset="-128"/>
+                <a:rPr lang="en-US" altLang="ja-JP" sz="500" dirty="0" err="1">
+                  <a:latin typeface="Times New Roman" panose="02020603050405020304" pitchFamily="18" charset="0"/>
                   <a:ea typeface="メイリオ" panose="020B0604030504040204" pitchFamily="50" charset="-128"/>
-                  <a:cs typeface="メイリオ" panose="020B0604030504040204" pitchFamily="50" charset="-128"/>
+                  <a:cs typeface="Times New Roman" panose="02020603050405020304" pitchFamily="18" charset="0"/>
                 </a:rPr>
-                <a:t>common</a:t>
+                <a:t>common.config</a:t>
               </a:r>
               <a:r>
-                <a:rPr lang="en-US" altLang="ja-JP" sz="500" dirty="0" err="1" smtClean="0">
-                  <a:latin typeface="メイリオ" panose="020B0604030504040204" pitchFamily="50" charset="-128"/>
+                <a:rPr lang="en-US" altLang="ja-JP" sz="500" dirty="0">
+                  <a:latin typeface="Times New Roman" panose="02020603050405020304" pitchFamily="18" charset="0"/>
                   <a:ea typeface="メイリオ" panose="020B0604030504040204" pitchFamily="50" charset="-128"/>
-                  <a:cs typeface="メイリオ" panose="020B0604030504040204" pitchFamily="50" charset="-128"/>
-                </a:rPr>
-                <a:t>.config</a:t>
-              </a:r>
-              <a:r>
-                <a:rPr lang="en-US" altLang="ja-JP" sz="500" dirty="0" smtClean="0">
-                  <a:latin typeface="メイリオ" panose="020B0604030504040204" pitchFamily="50" charset="-128"/>
-                  <a:ea typeface="メイリオ" panose="020B0604030504040204" pitchFamily="50" charset="-128"/>
-                  <a:cs typeface="メイリオ" panose="020B0604030504040204" pitchFamily="50" charset="-128"/>
+                  <a:cs typeface="Times New Roman" panose="02020603050405020304" pitchFamily="18" charset="0"/>
                 </a:rPr>
                 <a:t>)</a:t>
               </a:r>
-              <a:endParaRPr lang="ja-JP" altLang="en-US" sz="500" dirty="0">
-                <a:latin typeface="メイリオ" panose="020B0604030504040204" pitchFamily="50" charset="-128"/>
-                <a:ea typeface="メイリオ" panose="020B0604030504040204" pitchFamily="50" charset="-128"/>
-                <a:cs typeface="メイリオ" panose="020B0604030504040204" pitchFamily="50" charset="-128"/>
-              </a:endParaRPr>
             </a:p>
           </p:txBody>
         </p:sp>
@@ -8506,63 +8113,46 @@
                 <a:defRPr sz="1000"/>
               </a:pPr>
               <a:r>
-                <a:rPr lang="ja-JP" altLang="en-US" sz="500" dirty="0">
-                  <a:latin typeface="メイリオ" panose="020B0604030504040204" pitchFamily="50" charset="-128"/>
-                  <a:ea typeface="メイリオ" panose="020B0604030504040204" pitchFamily="50" charset="-128"/>
-                  <a:cs typeface="メイリオ" panose="020B0604030504040204" pitchFamily="50" charset="-128"/>
+                <a:rPr lang="en-US" altLang="ja-JP" sz="500" dirty="0">
+                  <a:latin typeface="Times New Roman" panose="02020603050405020304" pitchFamily="18" charset="0"/>
+                  <a:cs typeface="Times New Roman" panose="02020603050405020304" pitchFamily="18" charset="0"/>
                 </a:rPr>
-                <a:t>環境設定</a:t>
+                <a:t>Environment configuration file</a:t>
               </a:r>
-              <a:r>
-                <a:rPr lang="ja-JP" altLang="en-US" sz="500" dirty="0" smtClean="0">
-                  <a:latin typeface="メイリオ" panose="020B0604030504040204" pitchFamily="50" charset="-128"/>
-                  <a:ea typeface="メイリオ" panose="020B0604030504040204" pitchFamily="50" charset="-128"/>
-                  <a:cs typeface="メイリオ" panose="020B0604030504040204" pitchFamily="50" charset="-128"/>
-                </a:rPr>
-                <a:t>ファイル</a:t>
-              </a:r>
-              <a:endParaRPr lang="en-US" altLang="ja-JP" sz="500" dirty="0" smtClean="0">
-                <a:latin typeface="メイリオ" panose="020B0604030504040204" pitchFamily="50" charset="-128"/>
-                <a:ea typeface="メイリオ" panose="020B0604030504040204" pitchFamily="50" charset="-128"/>
-                <a:cs typeface="メイリオ" panose="020B0604030504040204" pitchFamily="50" charset="-128"/>
-              </a:endParaRPr>
             </a:p>
             <a:p>
               <a:pPr>
                 <a:defRPr sz="1000"/>
               </a:pPr>
               <a:r>
-                <a:rPr lang="en-US" altLang="ja-JP" sz="500" dirty="0" smtClean="0">
-                  <a:latin typeface="メイリオ" panose="020B0604030504040204" pitchFamily="50" charset="-128"/>
+                <a:rPr lang="en-US" altLang="ja-JP" sz="500" dirty="0">
+                  <a:latin typeface="Times New Roman" panose="02020603050405020304" pitchFamily="18" charset="0"/>
                   <a:ea typeface="メイリオ" panose="020B0604030504040204" pitchFamily="50" charset="-128"/>
-                  <a:cs typeface="メイリオ" panose="020B0604030504040204" pitchFamily="50" charset="-128"/>
+                  <a:cs typeface="Times New Roman" panose="02020603050405020304" pitchFamily="18" charset="0"/>
                 </a:rPr>
                 <a:t>(</a:t>
               </a:r>
               <a:r>
-                <a:rPr lang="en-US" altLang="ja-JP" sz="500" dirty="0" err="1" smtClean="0">
-                  <a:latin typeface="メイリオ" panose="020B0604030504040204" pitchFamily="50" charset="-128"/>
+                <a:rPr lang="en-US" altLang="ja-JP" sz="500" dirty="0" err="1">
+                  <a:latin typeface="Times New Roman" panose="02020603050405020304" pitchFamily="18" charset="0"/>
                   <a:ea typeface="メイリオ" panose="020B0604030504040204" pitchFamily="50" charset="-128"/>
-                  <a:cs typeface="メイリオ" panose="020B0604030504040204" pitchFamily="50" charset="-128"/>
+                  <a:cs typeface="Times New Roman" panose="02020603050405020304" pitchFamily="18" charset="0"/>
                 </a:rPr>
-                <a:t>common</a:t>
+                <a:t>common.config</a:t>
               </a:r>
               <a:r>
-                <a:rPr lang="en-US" altLang="ja-JP" sz="500" dirty="0" err="1" smtClean="0">
-                  <a:latin typeface="メイリオ" panose="020B0604030504040204" pitchFamily="50" charset="-128"/>
+                <a:rPr lang="en-US" altLang="ja-JP" sz="500" dirty="0">
+                  <a:latin typeface="Times New Roman" panose="02020603050405020304" pitchFamily="18" charset="0"/>
                   <a:ea typeface="メイリオ" panose="020B0604030504040204" pitchFamily="50" charset="-128"/>
-                  <a:cs typeface="メイリオ" panose="020B0604030504040204" pitchFamily="50" charset="-128"/>
-                </a:rPr>
-                <a:t>.config</a:t>
-              </a:r>
-              <a:r>
-                <a:rPr lang="en-US" altLang="ja-JP" sz="500" dirty="0" smtClean="0">
-                  <a:latin typeface="メイリオ" panose="020B0604030504040204" pitchFamily="50" charset="-128"/>
-                  <a:ea typeface="メイリオ" panose="020B0604030504040204" pitchFamily="50" charset="-128"/>
-                  <a:cs typeface="メイリオ" panose="020B0604030504040204" pitchFamily="50" charset="-128"/>
+                  <a:cs typeface="Times New Roman" panose="02020603050405020304" pitchFamily="18" charset="0"/>
                 </a:rPr>
                 <a:t>)</a:t>
               </a:r>
+            </a:p>
+            <a:p>
+              <a:pPr>
+                <a:defRPr sz="1000"/>
+              </a:pPr>
               <a:endParaRPr lang="ja-JP" altLang="en-US" sz="500" dirty="0">
                 <a:latin typeface="メイリオ" panose="020B0604030504040204" pitchFamily="50" charset="-128"/>
                 <a:ea typeface="メイリオ" panose="020B0604030504040204" pitchFamily="50" charset="-128"/>

--- a/en/application_framework/application_framework/setting_guide/ManagingEnvironmentalConfiguration/_images.pptx
+++ b/en/application_framework/application_framework/setting_guide/ManagingEnvironmentalConfiguration/_images.pptx
@@ -303,7 +303,7 @@
           <a:p>
             <a:fld id="{E90ED720-0104-4369-84BC-D37694168613}" type="datetimeFigureOut">
               <a:rPr kumimoji="1" lang="ja-JP" altLang="en-US" smtClean="0"/>
-              <a:t>2020/7/14</a:t>
+              <a:t>2021/2/9</a:t>
             </a:fld>
             <a:endParaRPr kumimoji="1" lang="ja-JP" altLang="en-US" dirty="0"/>
           </a:p>
@@ -498,7 +498,7 @@
           <a:p>
             <a:fld id="{E90ED720-0104-4369-84BC-D37694168613}" type="datetimeFigureOut">
               <a:rPr kumimoji="1" lang="ja-JP" altLang="en-US" smtClean="0"/>
-              <a:t>2020/7/14</a:t>
+              <a:t>2021/2/9</a:t>
             </a:fld>
             <a:endParaRPr kumimoji="1" lang="ja-JP" altLang="en-US" dirty="0"/>
           </a:p>
@@ -703,7 +703,7 @@
           <a:p>
             <a:fld id="{E90ED720-0104-4369-84BC-D37694168613}" type="datetimeFigureOut">
               <a:rPr kumimoji="1" lang="ja-JP" altLang="en-US" smtClean="0"/>
-              <a:t>2020/7/14</a:t>
+              <a:t>2021/2/9</a:t>
             </a:fld>
             <a:endParaRPr kumimoji="1" lang="ja-JP" altLang="en-US" dirty="0"/>
           </a:p>
@@ -898,7 +898,7 @@
           <a:p>
             <a:fld id="{E90ED720-0104-4369-84BC-D37694168613}" type="datetimeFigureOut">
               <a:rPr kumimoji="1" lang="ja-JP" altLang="en-US" smtClean="0"/>
-              <a:t>2020/7/14</a:t>
+              <a:t>2021/2/9</a:t>
             </a:fld>
             <a:endParaRPr kumimoji="1" lang="ja-JP" altLang="en-US" dirty="0"/>
           </a:p>
@@ -1138,7 +1138,7 @@
           <a:p>
             <a:fld id="{E90ED720-0104-4369-84BC-D37694168613}" type="datetimeFigureOut">
               <a:rPr kumimoji="1" lang="ja-JP" altLang="en-US" smtClean="0"/>
-              <a:t>2020/7/14</a:t>
+              <a:t>2021/2/9</a:t>
             </a:fld>
             <a:endParaRPr kumimoji="1" lang="ja-JP" altLang="en-US" dirty="0"/>
           </a:p>
@@ -1482,7 +1482,7 @@
           <a:p>
             <a:fld id="{E90ED720-0104-4369-84BC-D37694168613}" type="datetimeFigureOut">
               <a:rPr kumimoji="1" lang="ja-JP" altLang="en-US" smtClean="0"/>
-              <a:t>2020/7/14</a:t>
+              <a:t>2021/2/9</a:t>
             </a:fld>
             <a:endParaRPr kumimoji="1" lang="ja-JP" altLang="en-US" dirty="0"/>
           </a:p>
@@ -1960,7 +1960,7 @@
           <a:p>
             <a:fld id="{E90ED720-0104-4369-84BC-D37694168613}" type="datetimeFigureOut">
               <a:rPr kumimoji="1" lang="ja-JP" altLang="en-US" smtClean="0"/>
-              <a:t>2020/7/14</a:t>
+              <a:t>2021/2/9</a:t>
             </a:fld>
             <a:endParaRPr kumimoji="1" lang="ja-JP" altLang="en-US" dirty="0"/>
           </a:p>
@@ -2072,7 +2072,7 @@
           <a:p>
             <a:fld id="{E90ED720-0104-4369-84BC-D37694168613}" type="datetimeFigureOut">
               <a:rPr kumimoji="1" lang="ja-JP" altLang="en-US" smtClean="0"/>
-              <a:t>2020/7/14</a:t>
+              <a:t>2021/2/9</a:t>
             </a:fld>
             <a:endParaRPr kumimoji="1" lang="ja-JP" altLang="en-US" dirty="0"/>
           </a:p>
@@ -2162,7 +2162,7 @@
           <a:p>
             <a:fld id="{E90ED720-0104-4369-84BC-D37694168613}" type="datetimeFigureOut">
               <a:rPr kumimoji="1" lang="ja-JP" altLang="en-US" smtClean="0"/>
-              <a:t>2020/7/14</a:t>
+              <a:t>2021/2/9</a:t>
             </a:fld>
             <a:endParaRPr kumimoji="1" lang="ja-JP" altLang="en-US" dirty="0"/>
           </a:p>
@@ -2464,7 +2464,7 @@
           <a:p>
             <a:fld id="{E90ED720-0104-4369-84BC-D37694168613}" type="datetimeFigureOut">
               <a:rPr kumimoji="1" lang="ja-JP" altLang="en-US" smtClean="0"/>
-              <a:t>2020/7/14</a:t>
+              <a:t>2021/2/9</a:t>
             </a:fld>
             <a:endParaRPr kumimoji="1" lang="ja-JP" altLang="en-US" dirty="0"/>
           </a:p>
@@ -2711,7 +2711,7 @@
           <a:p>
             <a:fld id="{E90ED720-0104-4369-84BC-D37694168613}" type="datetimeFigureOut">
               <a:rPr kumimoji="1" lang="ja-JP" altLang="en-US" smtClean="0"/>
-              <a:t>2020/7/14</a:t>
+              <a:t>2021/2/9</a:t>
             </a:fld>
             <a:endParaRPr kumimoji="1" lang="ja-JP" altLang="en-US" dirty="0"/>
           </a:p>
@@ -2949,7 +2949,7 @@
           <a:p>
             <a:fld id="{E90ED720-0104-4369-84BC-D37694168613}" type="datetimeFigureOut">
               <a:rPr kumimoji="1" lang="ja-JP" altLang="en-US" smtClean="0"/>
-              <a:t>2020/7/14</a:t>
+              <a:t>2021/2/9</a:t>
             </a:fld>
             <a:endParaRPr kumimoji="1" lang="ja-JP" altLang="en-US" dirty="0"/>
           </a:p>
@@ -5978,23 +5978,7 @@
                   <a:ea typeface="メイリオ" panose="020B0604030504040204" pitchFamily="50" charset="-128"/>
                   <a:cs typeface="Times New Roman" panose="02020603050405020304" pitchFamily="18" charset="0"/>
                 </a:rPr>
-                <a:t>(</a:t>
-              </a:r>
-              <a:r>
-                <a:rPr lang="en-US" altLang="ja-JP" sz="500" dirty="0" err="1">
-                  <a:latin typeface="Times New Roman" panose="02020603050405020304" pitchFamily="18" charset="0"/>
-                  <a:ea typeface="メイリオ" panose="020B0604030504040204" pitchFamily="50" charset="-128"/>
-                  <a:cs typeface="Times New Roman" panose="02020603050405020304" pitchFamily="18" charset="0"/>
-                </a:rPr>
-                <a:t>env.config</a:t>
-              </a:r>
-              <a:r>
-                <a:rPr lang="en-US" altLang="ja-JP" sz="500" dirty="0">
-                  <a:latin typeface="Times New Roman" panose="02020603050405020304" pitchFamily="18" charset="0"/>
-                  <a:ea typeface="メイリオ" panose="020B0604030504040204" pitchFamily="50" charset="-128"/>
-                  <a:cs typeface="Times New Roman" panose="02020603050405020304" pitchFamily="18" charset="0"/>
-                </a:rPr>
-                <a:t>)</a:t>
+                <a:t>(env.properties)</a:t>
               </a:r>
             </a:p>
           </p:txBody>
@@ -7237,23 +7221,7 @@
                   <a:ea typeface="メイリオ" panose="020B0604030504040204" pitchFamily="50" charset="-128"/>
                   <a:cs typeface="Times New Roman" panose="02020603050405020304" pitchFamily="18" charset="0"/>
                 </a:rPr>
-                <a:t>(</a:t>
-              </a:r>
-              <a:r>
-                <a:rPr lang="en-US" altLang="ja-JP" sz="500" dirty="0" err="1">
-                  <a:latin typeface="Times New Roman" panose="02020603050405020304" pitchFamily="18" charset="0"/>
-                  <a:ea typeface="メイリオ" panose="020B0604030504040204" pitchFamily="50" charset="-128"/>
-                  <a:cs typeface="Times New Roman" panose="02020603050405020304" pitchFamily="18" charset="0"/>
-                </a:rPr>
-                <a:t>env.config</a:t>
-              </a:r>
-              <a:r>
-                <a:rPr lang="en-US" altLang="ja-JP" sz="500" dirty="0">
-                  <a:latin typeface="Times New Roman" panose="02020603050405020304" pitchFamily="18" charset="0"/>
-                  <a:ea typeface="メイリオ" panose="020B0604030504040204" pitchFamily="50" charset="-128"/>
-                  <a:cs typeface="Times New Roman" panose="02020603050405020304" pitchFamily="18" charset="0"/>
-                </a:rPr>
-                <a:t>)</a:t>
+                <a:t>(env.properties)</a:t>
               </a:r>
             </a:p>
           </p:txBody>
@@ -7911,7 +7879,7 @@
                   <a:ea typeface="メイリオ" panose="020B0604030504040204" pitchFamily="50" charset="-128"/>
                   <a:cs typeface="Times New Roman" panose="02020603050405020304" pitchFamily="18" charset="0"/>
                 </a:rPr>
-                <a:t>common.config</a:t>
+                <a:t>common.properties</a:t>
               </a:r>
               <a:r>
                 <a:rPr lang="en-US" altLang="ja-JP" sz="500" dirty="0">
@@ -8138,7 +8106,7 @@
                   <a:ea typeface="メイリオ" panose="020B0604030504040204" pitchFamily="50" charset="-128"/>
                   <a:cs typeface="Times New Roman" panose="02020603050405020304" pitchFamily="18" charset="0"/>
                 </a:rPr>
-                <a:t>common.config</a:t>
+                <a:t>common.properties</a:t>
               </a:r>
               <a:r>
                 <a:rPr lang="en-US" altLang="ja-JP" sz="500" dirty="0">
